--- a/林广和.pptx
+++ b/林广和.pptx
@@ -5705,225 +5705,6 @@
       </p:grpSp>
       <p:sp>
         <p:nvSpPr>
-          <p:cNvPr id="3079" name="logo"/>
-          <p:cNvSpPr>
-            <a:spLocks noChangeArrowheads="1"/>
-          </p:cNvSpPr>
-          <p:nvPr/>
-        </p:nvSpPr>
-        <p:spPr bwMode="auto">
-          <a:xfrm>
-            <a:off x="4146550" y="523875"/>
-            <a:ext cx="841375" cy="369888"/>
-          </a:xfrm>
-          <a:prstGeom prst="rect">
-            <a:avLst/>
-          </a:prstGeom>
-          <a:noFill/>
-          <a:ln>
-            <a:noFill/>
-          </a:ln>
-          <a:extLst>
-            <a:ext uri="{909E8E84-426E-40DD-AFC4-6F175D3DCCD1}">
-              <a14:hiddenFill xmlns:a14="http://schemas.microsoft.com/office/drawing/2010/main">
-                <a:solidFill>
-                  <a:srgbClr val="FFFFFF"/>
-                </a:solidFill>
-              </a14:hiddenFill>
-            </a:ext>
-            <a:ext uri="{91240B29-F687-4F45-9708-019B960494DF}">
-              <a14:hiddenLine xmlns:a14="http://schemas.microsoft.com/office/drawing/2010/main" w="9525">
-                <a:solidFill>
-                  <a:srgbClr val="000000"/>
-                </a:solidFill>
-                <a:miter lim="800000"/>
-                <a:headEnd/>
-                <a:tailEnd/>
-              </a14:hiddenLine>
-            </a:ext>
-          </a:extLst>
-        </p:spPr>
-        <p:txBody>
-          <a:bodyPr wrap="none">
-            <a:spAutoFit/>
-          </a:bodyPr>
-          <a:lstStyle>
-            <a:lvl1pPr>
-              <a:spcBef>
-                <a:spcPct val="20000"/>
-              </a:spcBef>
-              <a:buFont typeface="Arial" panose="020B0604020202020204" pitchFamily="34" charset="0"/>
-              <a:buChar char="•"/>
-              <a:defRPr sz="3200">
-                <a:solidFill>
-                  <a:schemeClr val="tx1"/>
-                </a:solidFill>
-                <a:latin typeface="微软雅黑" panose="020B0503020204020204" pitchFamily="34" charset="-122"/>
-                <a:ea typeface="微软雅黑" panose="020B0503020204020204" pitchFamily="34" charset="-122"/>
-                <a:sym typeface="Calibri" panose="020F0502020204030204" pitchFamily="34" charset="0"/>
-              </a:defRPr>
-            </a:lvl1pPr>
-            <a:lvl2pPr marL="742950" indent="-285750">
-              <a:spcBef>
-                <a:spcPct val="20000"/>
-              </a:spcBef>
-              <a:buFont typeface="Arial" panose="020B0604020202020204" pitchFamily="34" charset="0"/>
-              <a:buChar char="–"/>
-              <a:defRPr sz="2800">
-                <a:solidFill>
-                  <a:schemeClr val="tx1"/>
-                </a:solidFill>
-                <a:latin typeface="微软雅黑" panose="020B0503020204020204" pitchFamily="34" charset="-122"/>
-                <a:ea typeface="微软雅黑" panose="020B0503020204020204" pitchFamily="34" charset="-122"/>
-                <a:sym typeface="Calibri" panose="020F0502020204030204" pitchFamily="34" charset="0"/>
-              </a:defRPr>
-            </a:lvl2pPr>
-            <a:lvl3pPr marL="1143000" indent="-228600">
-              <a:spcBef>
-                <a:spcPct val="20000"/>
-              </a:spcBef>
-              <a:buFont typeface="Arial" panose="020B0604020202020204" pitchFamily="34" charset="0"/>
-              <a:buChar char="•"/>
-              <a:defRPr sz="2400">
-                <a:solidFill>
-                  <a:schemeClr val="tx1"/>
-                </a:solidFill>
-                <a:latin typeface="微软雅黑" panose="020B0503020204020204" pitchFamily="34" charset="-122"/>
-                <a:ea typeface="微软雅黑" panose="020B0503020204020204" pitchFamily="34" charset="-122"/>
-                <a:sym typeface="Calibri" panose="020F0502020204030204" pitchFamily="34" charset="0"/>
-              </a:defRPr>
-            </a:lvl3pPr>
-            <a:lvl4pPr marL="1600200" indent="-228600">
-              <a:spcBef>
-                <a:spcPct val="20000"/>
-              </a:spcBef>
-              <a:buFont typeface="Arial" panose="020B0604020202020204" pitchFamily="34" charset="0"/>
-              <a:buChar char="–"/>
-              <a:defRPr sz="2000">
-                <a:solidFill>
-                  <a:schemeClr val="tx1"/>
-                </a:solidFill>
-                <a:latin typeface="微软雅黑" panose="020B0503020204020204" pitchFamily="34" charset="-122"/>
-                <a:ea typeface="微软雅黑" panose="020B0503020204020204" pitchFamily="34" charset="-122"/>
-                <a:sym typeface="Calibri" panose="020F0502020204030204" pitchFamily="34" charset="0"/>
-              </a:defRPr>
-            </a:lvl4pPr>
-            <a:lvl5pPr marL="2057400" indent="-228600">
-              <a:spcBef>
-                <a:spcPct val="20000"/>
-              </a:spcBef>
-              <a:buFont typeface="Arial" panose="020B0604020202020204" pitchFamily="34" charset="0"/>
-              <a:buChar char="»"/>
-              <a:defRPr sz="2000">
-                <a:solidFill>
-                  <a:schemeClr val="tx1"/>
-                </a:solidFill>
-                <a:latin typeface="微软雅黑" panose="020B0503020204020204" pitchFamily="34" charset="-122"/>
-                <a:ea typeface="微软雅黑" panose="020B0503020204020204" pitchFamily="34" charset="-122"/>
-                <a:sym typeface="Calibri" panose="020F0502020204030204" pitchFamily="34" charset="0"/>
-              </a:defRPr>
-            </a:lvl5pPr>
-            <a:lvl6pPr marL="2514600" indent="-228600" eaLnBrk="0" fontAlgn="base" hangingPunct="0">
-              <a:spcBef>
-                <a:spcPct val="20000"/>
-              </a:spcBef>
-              <a:spcAft>
-                <a:spcPct val="0"/>
-              </a:spcAft>
-              <a:buFont typeface="Arial" panose="020B0604020202020204" pitchFamily="34" charset="0"/>
-              <a:buChar char="»"/>
-              <a:defRPr sz="2000">
-                <a:solidFill>
-                  <a:schemeClr val="tx1"/>
-                </a:solidFill>
-                <a:latin typeface="微软雅黑" panose="020B0503020204020204" pitchFamily="34" charset="-122"/>
-                <a:ea typeface="微软雅黑" panose="020B0503020204020204" pitchFamily="34" charset="-122"/>
-                <a:sym typeface="Calibri" panose="020F0502020204030204" pitchFamily="34" charset="0"/>
-              </a:defRPr>
-            </a:lvl6pPr>
-            <a:lvl7pPr marL="2971800" indent="-228600" eaLnBrk="0" fontAlgn="base" hangingPunct="0">
-              <a:spcBef>
-                <a:spcPct val="20000"/>
-              </a:spcBef>
-              <a:spcAft>
-                <a:spcPct val="0"/>
-              </a:spcAft>
-              <a:buFont typeface="Arial" panose="020B0604020202020204" pitchFamily="34" charset="0"/>
-              <a:buChar char="»"/>
-              <a:defRPr sz="2000">
-                <a:solidFill>
-                  <a:schemeClr val="tx1"/>
-                </a:solidFill>
-                <a:latin typeface="微软雅黑" panose="020B0503020204020204" pitchFamily="34" charset="-122"/>
-                <a:ea typeface="微软雅黑" panose="020B0503020204020204" pitchFamily="34" charset="-122"/>
-                <a:sym typeface="Calibri" panose="020F0502020204030204" pitchFamily="34" charset="0"/>
-              </a:defRPr>
-            </a:lvl7pPr>
-            <a:lvl8pPr marL="3429000" indent="-228600" eaLnBrk="0" fontAlgn="base" hangingPunct="0">
-              <a:spcBef>
-                <a:spcPct val="20000"/>
-              </a:spcBef>
-              <a:spcAft>
-                <a:spcPct val="0"/>
-              </a:spcAft>
-              <a:buFont typeface="Arial" panose="020B0604020202020204" pitchFamily="34" charset="0"/>
-              <a:buChar char="»"/>
-              <a:defRPr sz="2000">
-                <a:solidFill>
-                  <a:schemeClr val="tx1"/>
-                </a:solidFill>
-                <a:latin typeface="微软雅黑" panose="020B0503020204020204" pitchFamily="34" charset="-122"/>
-                <a:ea typeface="微软雅黑" panose="020B0503020204020204" pitchFamily="34" charset="-122"/>
-                <a:sym typeface="Calibri" panose="020F0502020204030204" pitchFamily="34" charset="0"/>
-              </a:defRPr>
-            </a:lvl8pPr>
-            <a:lvl9pPr marL="3886200" indent="-228600" eaLnBrk="0" fontAlgn="base" hangingPunct="0">
-              <a:spcBef>
-                <a:spcPct val="20000"/>
-              </a:spcBef>
-              <a:spcAft>
-                <a:spcPct val="0"/>
-              </a:spcAft>
-              <a:buFont typeface="Arial" panose="020B0604020202020204" pitchFamily="34" charset="0"/>
-              <a:buChar char="»"/>
-              <a:defRPr sz="2000">
-                <a:solidFill>
-                  <a:schemeClr val="tx1"/>
-                </a:solidFill>
-                <a:latin typeface="微软雅黑" panose="020B0503020204020204" pitchFamily="34" charset="-122"/>
-                <a:ea typeface="微软雅黑" panose="020B0503020204020204" pitchFamily="34" charset="-122"/>
-                <a:sym typeface="Calibri" panose="020F0502020204030204" pitchFamily="34" charset="0"/>
-              </a:defRPr>
-            </a:lvl9pPr>
-          </a:lstStyle>
-          <a:p>
-            <a:pPr algn="ctr" eaLnBrk="1" hangingPunct="1">
-              <a:spcBef>
-                <a:spcPct val="0"/>
-              </a:spcBef>
-              <a:buFont typeface="Arial" panose="020B0604020202020204" pitchFamily="34" charset="0"/>
-              <a:buNone/>
-            </a:pPr>
-            <a:r>
-              <a:rPr lang="en-US" altLang="zh-CN" sz="1800">
-                <a:solidFill>
-                  <a:srgbClr val="FFFFFF"/>
-                </a:solidFill>
-                <a:sym typeface="微软雅黑" panose="020B0503020204020204" pitchFamily="34" charset="-122"/>
-              </a:rPr>
-              <a:t>LOGO</a:t>
-            </a:r>
-            <a:endParaRPr lang="zh-CN" altLang="en-US" sz="1800">
-              <a:solidFill>
-                <a:srgbClr val="FFFFFF"/>
-              </a:solidFill>
-              <a:sym typeface="微软雅黑" panose="020B0503020204020204" pitchFamily="34" charset="-122"/>
-            </a:endParaRPr>
-          </a:p>
-        </p:txBody>
-      </p:sp>
-      <p:sp>
-        <p:nvSpPr>
           <p:cNvPr id="3080" name="落款标题"/>
           <p:cNvSpPr>
             <a:spLocks noChangeArrowheads="1"/>
@@ -21087,7 +20868,7 @@
                                           </p:stCondLst>
                                         </p:cTn>
                                         <p:tgtEl>
-                                          <p:spTgt spid="11"/>
+                                          <p:spTgt spid="16"/>
                                         </p:tgtEl>
                                         <p:attrNameLst>
                                           <p:attrName>style.visibility</p:attrName>
@@ -21107,13 +20888,13 @@
                     </p:cTn>
                   </p:par>
                   <p:par>
-                    <p:cTn id="15" fill="hold" nodeType="clickPar">
+                    <p:cTn id="15" fill="hold">
                       <p:stCondLst>
                         <p:cond delay="indefinite"/>
                       </p:stCondLst>
                       <p:childTnLst>
                         <p:par>
-                          <p:cTn id="16" fill="hold" nodeType="withGroup">
+                          <p:cTn id="16" fill="hold">
                             <p:stCondLst>
                               <p:cond delay="0"/>
                             </p:stCondLst>
@@ -21152,19 +20933,19 @@
                     </p:cTn>
                   </p:par>
                   <p:par>
-                    <p:cTn id="19" fill="hold" nodeType="clickPar">
+                    <p:cTn id="19" fill="hold">
                       <p:stCondLst>
                         <p:cond delay="indefinite"/>
                       </p:stCondLst>
                       <p:childTnLst>
                         <p:par>
-                          <p:cTn id="20" fill="hold" nodeType="withGroup">
+                          <p:cTn id="20" fill="hold">
                             <p:stCondLst>
                               <p:cond delay="0"/>
                             </p:stCondLst>
                             <p:childTnLst>
                               <p:par>
-                                <p:cTn id="21" presetID="1" presetClass="entr" presetSubtype="0" fill="hold" grpId="0" nodeType="clickEffect">
+                                <p:cTn id="21" presetID="1" presetClass="entr" presetSubtype="0" fill="hold" nodeType="clickEffect">
                                   <p:stCondLst>
                                     <p:cond delay="0"/>
                                   </p:stCondLst>
@@ -21177,7 +20958,7 @@
                                           </p:stCondLst>
                                         </p:cTn>
                                         <p:tgtEl>
-                                          <p:spTgt spid="7"/>
+                                          <p:spTgt spid="11"/>
                                         </p:tgtEl>
                                         <p:attrNameLst>
                                           <p:attrName>style.visibility</p:attrName>
@@ -21197,13 +20978,13 @@
                     </p:cTn>
                   </p:par>
                   <p:par>
-                    <p:cTn id="23" fill="hold" nodeType="clickPar">
+                    <p:cTn id="23" fill="hold">
                       <p:stCondLst>
                         <p:cond delay="indefinite"/>
                       </p:stCondLst>
                       <p:childTnLst>
                         <p:par>
-                          <p:cTn id="24" fill="hold" nodeType="withGroup">
+                          <p:cTn id="24" fill="hold">
                             <p:stCondLst>
                               <p:cond delay="0"/>
                             </p:stCondLst>
@@ -21222,7 +21003,7 @@
                                           </p:stCondLst>
                                         </p:cTn>
                                         <p:tgtEl>
-                                          <p:spTgt spid="8"/>
+                                          <p:spTgt spid="7"/>
                                         </p:tgtEl>
                                         <p:attrNameLst>
                                           <p:attrName>style.visibility</p:attrName>
@@ -21235,26 +21016,35 @@
                                   </p:childTnLst>
                                 </p:cTn>
                               </p:par>
-                            </p:childTnLst>
-                          </p:cTn>
-                        </p:par>
-                      </p:childTnLst>
-                    </p:cTn>
-                  </p:par>
-                  <p:par>
-                    <p:cTn id="27" fill="hold">
-                      <p:stCondLst>
-                        <p:cond delay="indefinite"/>
-                      </p:stCondLst>
-                      <p:childTnLst>
-                        <p:par>
-                          <p:cTn id="28" fill="hold">
-                            <p:stCondLst>
-                              <p:cond delay="0"/>
-                            </p:stCondLst>
-                            <p:childTnLst>
                               <p:par>
-                                <p:cTn id="29" presetID="1" presetClass="entr" presetSubtype="0" fill="hold" nodeType="clickEffect">
+                                <p:cTn id="27" presetID="1" presetClass="entr" presetSubtype="0" fill="hold" grpId="0" nodeType="withEffect">
+                                  <p:stCondLst>
+                                    <p:cond delay="0"/>
+                                  </p:stCondLst>
+                                  <p:childTnLst>
+                                    <p:set>
+                                      <p:cBhvr>
+                                        <p:cTn id="28" dur="1" fill="hold">
+                                          <p:stCondLst>
+                                            <p:cond delay="0"/>
+                                          </p:stCondLst>
+                                        </p:cTn>
+                                        <p:tgtEl>
+                                          <p:spTgt spid="19"/>
+                                        </p:tgtEl>
+                                        <p:attrNameLst>
+                                          <p:attrName>style.visibility</p:attrName>
+                                        </p:attrNameLst>
+                                      </p:cBhvr>
+                                      <p:to>
+                                        <p:strVal val="visible"/>
+                                      </p:to>
+                                    </p:set>
+                                  </p:childTnLst>
+                                </p:cTn>
+                              </p:par>
+                              <p:par>
+                                <p:cTn id="29" presetID="1" presetClass="entr" presetSubtype="0" fill="hold" grpId="0" nodeType="withEffect">
                                   <p:stCondLst>
                                     <p:cond delay="0"/>
                                   </p:stCondLst>
@@ -21267,7 +21057,7 @@
                                           </p:stCondLst>
                                         </p:cTn>
                                         <p:tgtEl>
-                                          <p:spTgt spid="16"/>
+                                          <p:spTgt spid="20"/>
                                         </p:tgtEl>
                                         <p:attrNameLst>
                                           <p:attrName>style.visibility</p:attrName>
@@ -21312,52 +21102,7 @@
                                           </p:stCondLst>
                                         </p:cTn>
                                         <p:tgtEl>
-                                          <p:spTgt spid="19"/>
-                                        </p:tgtEl>
-                                        <p:attrNameLst>
-                                          <p:attrName>style.visibility</p:attrName>
-                                        </p:attrNameLst>
-                                      </p:cBhvr>
-                                      <p:to>
-                                        <p:strVal val="visible"/>
-                                      </p:to>
-                                    </p:set>
-                                  </p:childTnLst>
-                                </p:cTn>
-                              </p:par>
-                            </p:childTnLst>
-                          </p:cTn>
-                        </p:par>
-                      </p:childTnLst>
-                    </p:cTn>
-                  </p:par>
-                  <p:par>
-                    <p:cTn id="35" fill="hold">
-                      <p:stCondLst>
-                        <p:cond delay="indefinite"/>
-                      </p:stCondLst>
-                      <p:childTnLst>
-                        <p:par>
-                          <p:cTn id="36" fill="hold">
-                            <p:stCondLst>
-                              <p:cond delay="0"/>
-                            </p:stCondLst>
-                            <p:childTnLst>
-                              <p:par>
-                                <p:cTn id="37" presetID="1" presetClass="entr" presetSubtype="0" fill="hold" grpId="0" nodeType="clickEffect">
-                                  <p:stCondLst>
-                                    <p:cond delay="0"/>
-                                  </p:stCondLst>
-                                  <p:childTnLst>
-                                    <p:set>
-                                      <p:cBhvr>
-                                        <p:cTn id="38" dur="1" fill="hold">
-                                          <p:stCondLst>
-                                            <p:cond delay="0"/>
-                                          </p:stCondLst>
-                                        </p:cTn>
-                                        <p:tgtEl>
-                                          <p:spTgt spid="20"/>
+                                          <p:spTgt spid="8"/>
                                         </p:tgtEl>
                                         <p:attrNameLst>
                                           <p:attrName>style.visibility</p:attrName>
@@ -22063,7 +21808,7 @@
         </p:nvGrpSpPr>
         <p:grpSpPr bwMode="auto">
           <a:xfrm>
-            <a:off x="1259770" y="2600941"/>
+            <a:off x="1259770" y="2445774"/>
             <a:ext cx="1147028" cy="443885"/>
             <a:chOff x="382108" y="2663112"/>
             <a:chExt cx="3114374" cy="594151"/>
@@ -22558,12 +22303,52 @@
               <a:t>What </a:t>
             </a:r>
             <a:r>
+              <a:rPr lang="en-US" altLang="zh-CN" sz="1600" u="sng" dirty="0">
+                <a:solidFill>
+                  <a:srgbClr val="00B0F0"/>
+                </a:solidFill>
+              </a:rPr>
+              <a:t>used to </a:t>
+            </a:r>
+            <a:r>
               <a:rPr lang="en-US" altLang="zh-CN" sz="1600" dirty="0">
                 <a:solidFill>
                   <a:srgbClr val="FFFFFF"/>
                 </a:solidFill>
               </a:rPr>
-              <a:t>used to be big clunky devices only a nerd could love have now become </a:t>
+              <a:t>be </a:t>
+            </a:r>
+            <a:r>
+              <a:rPr lang="en-US" altLang="zh-CN" sz="1600" dirty="0">
+                <a:solidFill>
+                  <a:srgbClr val="0070C0"/>
+                </a:solidFill>
+              </a:rPr>
+              <a:t>big clunky </a:t>
+            </a:r>
+            <a:r>
+              <a:rPr lang="en-US" altLang="zh-CN" sz="1600" dirty="0">
+                <a:solidFill>
+                  <a:srgbClr val="FFFFFF"/>
+                </a:solidFill>
+              </a:rPr>
+              <a:t>devices only a nerd could love have </a:t>
+            </a:r>
+            <a:r>
+              <a:rPr lang="en-US" altLang="zh-CN" sz="1600" u="sng" dirty="0">
+                <a:solidFill>
+                  <a:srgbClr val="C00000"/>
+                </a:solidFill>
+              </a:rPr>
+              <a:t>now</a:t>
+            </a:r>
+            <a:r>
+              <a:rPr lang="en-US" altLang="zh-CN" sz="1600" dirty="0">
+                <a:solidFill>
+                  <a:srgbClr val="FFFFFF"/>
+                </a:solidFill>
+              </a:rPr>
+              <a:t> become </a:t>
             </a:r>
             <a:r>
               <a:rPr lang="en-US" altLang="zh-CN" sz="1600" dirty="0">
@@ -22850,9 +22635,9 @@
           <p:nvPr/>
         </p:nvSpPr>
         <p:spPr bwMode="auto">
-          <a:xfrm rot="2700000">
-            <a:off x="3798888" y="3217863"/>
-            <a:ext cx="431800" cy="508000"/>
+          <a:xfrm>
+            <a:off x="3881328" y="3003780"/>
+            <a:ext cx="275033" cy="206648"/>
           </a:xfrm>
           <a:prstGeom prst="downArrow">
             <a:avLst>
@@ -23060,8 +22845,8 @@
         </p:nvSpPr>
         <p:spPr bwMode="auto">
           <a:xfrm>
-            <a:off x="347019" y="3741242"/>
-            <a:ext cx="5013325" cy="923330"/>
+            <a:off x="395710" y="3147790"/>
+            <a:ext cx="4968345" cy="646331"/>
           </a:xfrm>
           <a:prstGeom prst="rect">
             <a:avLst/>
@@ -23091,7 +22876,7 @@
           </a:extLst>
         </p:spPr>
         <p:txBody>
-          <a:bodyPr>
+          <a:bodyPr wrap="square">
             <a:spAutoFit/>
           </a:bodyPr>
           <a:lstStyle>
@@ -23268,17 +23053,18 @@
                 <a:latin typeface="Arial" panose="020B0604020202020204" pitchFamily="34" charset="0"/>
                 <a:ea typeface="宋体" panose="02010600030101010101" pitchFamily="2" charset="-122"/>
               </a:rPr>
-              <a:t>: very small or short, compared with others of the same kind</a:t>
+              <a:t>: very small or short, compared with others of the same </a:t>
             </a:r>
-          </a:p>
-          <a:p>
-            <a:pPr>
-              <a:spcBef>
-                <a:spcPct val="0"/>
-              </a:spcBef>
-              <a:buFontTx/>
-              <a:buNone/>
-            </a:pPr>
+            <a:r>
+              <a:rPr lang="en-US" altLang="zh-CN" sz="1800" dirty="0" smtClean="0">
+                <a:solidFill>
+                  <a:srgbClr val="FFFFFF"/>
+                </a:solidFill>
+                <a:latin typeface="Arial" panose="020B0604020202020204" pitchFamily="34" charset="0"/>
+                <a:ea typeface="宋体" panose="02010600030101010101" pitchFamily="2" charset="-122"/>
+              </a:rPr>
+              <a:t>kind</a:t>
+            </a:r>
             <a:endParaRPr lang="zh-CN" altLang="en-US" sz="1800" dirty="0">
               <a:latin typeface="Arial" panose="020B0604020202020204" pitchFamily="34" charset="0"/>
               <a:ea typeface="宋体" panose="02010600030101010101" pitchFamily="2" charset="-122"/>
@@ -23296,7 +23082,7 @@
         </p:nvGrpSpPr>
         <p:grpSpPr bwMode="auto">
           <a:xfrm>
-            <a:off x="3435329" y="2582907"/>
+            <a:off x="3435329" y="2427740"/>
             <a:ext cx="1568701" cy="461920"/>
             <a:chOff x="382108" y="2663110"/>
             <a:chExt cx="3114374" cy="594153"/>
@@ -23585,7 +23371,7 @@
         </p:nvGrpSpPr>
         <p:grpSpPr bwMode="auto">
           <a:xfrm>
-            <a:off x="6371213" y="2600941"/>
+            <a:off x="6371213" y="2445774"/>
             <a:ext cx="936978" cy="443885"/>
             <a:chOff x="382108" y="2663110"/>
             <a:chExt cx="3114374" cy="594153"/>
@@ -23874,10 +23660,10 @@
         </p:nvGrpSpPr>
         <p:grpSpPr bwMode="auto">
           <a:xfrm>
-            <a:off x="2771854" y="2595993"/>
+            <a:off x="2771854" y="2484000"/>
             <a:ext cx="336353" cy="369332"/>
-            <a:chOff x="382108" y="2417759"/>
-            <a:chExt cx="3114374" cy="860167"/>
+            <a:chOff x="382108" y="2518306"/>
+            <a:chExt cx="3114374" cy="860166"/>
           </a:xfrm>
         </p:grpSpPr>
         <p:pic>
@@ -23944,8 +23730,8 @@
           </p:nvSpPr>
           <p:spPr bwMode="auto">
             <a:xfrm>
-              <a:off x="382108" y="2417759"/>
-              <a:ext cx="3096217" cy="860167"/>
+              <a:off x="382108" y="2518306"/>
+              <a:ext cx="3096217" cy="860166"/>
             </a:xfrm>
             <a:prstGeom prst="rect">
               <a:avLst/>
@@ -24163,10 +23949,10 @@
         </p:nvGrpSpPr>
         <p:grpSpPr bwMode="auto">
           <a:xfrm>
-            <a:off x="5562243" y="2692571"/>
-            <a:ext cx="336353" cy="369332"/>
-            <a:chOff x="382108" y="2663112"/>
-            <a:chExt cx="3114374" cy="860167"/>
+            <a:off x="5562243" y="2484000"/>
+            <a:ext cx="336352" cy="369332"/>
+            <a:chOff x="382113" y="2538732"/>
+            <a:chExt cx="3114369" cy="860166"/>
           </a:xfrm>
         </p:grpSpPr>
         <p:pic>
@@ -24233,8 +24019,8 @@
           </p:nvSpPr>
           <p:spPr bwMode="auto">
             <a:xfrm>
-              <a:off x="382108" y="2663112"/>
-              <a:ext cx="3096217" cy="860167"/>
+              <a:off x="382113" y="2538732"/>
+              <a:ext cx="3096221" cy="860166"/>
             </a:xfrm>
             <a:prstGeom prst="rect">
               <a:avLst/>
@@ -24773,17 +24559,7 @@
                 <a:latin typeface="Arial" panose="020B0604020202020204" pitchFamily="34" charset="0"/>
                 <a:ea typeface="宋体" panose="02010600030101010101" pitchFamily="2" charset="-122"/>
               </a:rPr>
-              <a:t>sh</a:t>
-            </a:r>
-            <a:r>
-              <a:rPr lang="en-US" altLang="zh-CN" sz="1800" dirty="0" smtClean="0">
-                <a:solidFill>
-                  <a:srgbClr val="FFFFFF"/>
-                </a:solidFill>
-                <a:latin typeface="Arial" panose="020B0604020202020204" pitchFamily="34" charset="0"/>
-                <a:ea typeface="宋体" panose="02010600030101010101" pitchFamily="2" charset="-122"/>
-              </a:rPr>
-              <a:t>: </a:t>
+              <a:t>sh: </a:t>
             </a:r>
             <a:r>
               <a:rPr lang="zh-CN" altLang="en-US" sz="1800" dirty="0" smtClean="0">
@@ -24880,6 +24656,246 @@
               </a:rPr>
               <a:t>缩小</a:t>
             </a:r>
+          </a:p>
+        </p:txBody>
+      </p:sp>
+      <p:sp>
+        <p:nvSpPr>
+          <p:cNvPr id="29" name="文本框 28"/>
+          <p:cNvSpPr txBox="1">
+            <a:spLocks noChangeArrowheads="1"/>
+          </p:cNvSpPr>
+          <p:nvPr/>
+        </p:nvSpPr>
+        <p:spPr bwMode="auto">
+          <a:xfrm>
+            <a:off x="395710" y="3723830"/>
+            <a:ext cx="4968345" cy="923330"/>
+          </a:xfrm>
+          <a:prstGeom prst="rect">
+            <a:avLst/>
+          </a:prstGeom>
+          <a:noFill/>
+          <a:ln>
+            <a:noFill/>
+          </a:ln>
+          <a:extLst>
+            <a:ext uri="{909E8E84-426E-40DD-AFC4-6F175D3DCCD1}">
+              <a14:hiddenFill xmlns:a14="http://schemas.microsoft.com/office/drawing/2010/main">
+                <a:solidFill>
+                  <a:srgbClr val="FFFFFF"/>
+                </a:solidFill>
+              </a14:hiddenFill>
+            </a:ext>
+            <a:ext uri="{91240B29-F687-4F45-9708-019B960494DF}">
+              <a14:hiddenLine xmlns:a14="http://schemas.microsoft.com/office/drawing/2010/main" w="9525">
+                <a:solidFill>
+                  <a:srgbClr val="000000"/>
+                </a:solidFill>
+                <a:miter lim="800000"/>
+                <a:headEnd/>
+                <a:tailEnd/>
+              </a14:hiddenLine>
+            </a:ext>
+          </a:extLst>
+        </p:spPr>
+        <p:txBody>
+          <a:bodyPr wrap="square">
+            <a:spAutoFit/>
+          </a:bodyPr>
+          <a:lstStyle>
+            <a:lvl1pPr>
+              <a:spcBef>
+                <a:spcPct val="20000"/>
+              </a:spcBef>
+              <a:buFont typeface="Arial" panose="020B0604020202020204" pitchFamily="34" charset="0"/>
+              <a:buChar char="•"/>
+              <a:defRPr sz="3200">
+                <a:solidFill>
+                  <a:schemeClr val="tx1"/>
+                </a:solidFill>
+                <a:latin typeface="微软雅黑" panose="020B0503020204020204" pitchFamily="34" charset="-122"/>
+                <a:ea typeface="微软雅黑" panose="020B0503020204020204" pitchFamily="34" charset="-122"/>
+                <a:sym typeface="Calibri" panose="020F0502020204030204" pitchFamily="34" charset="0"/>
+              </a:defRPr>
+            </a:lvl1pPr>
+            <a:lvl2pPr marL="742950" indent="-285750">
+              <a:spcBef>
+                <a:spcPct val="20000"/>
+              </a:spcBef>
+              <a:buFont typeface="Arial" panose="020B0604020202020204" pitchFamily="34" charset="0"/>
+              <a:buChar char="–"/>
+              <a:defRPr sz="2800">
+                <a:solidFill>
+                  <a:schemeClr val="tx1"/>
+                </a:solidFill>
+                <a:latin typeface="微软雅黑" panose="020B0503020204020204" pitchFamily="34" charset="-122"/>
+                <a:ea typeface="微软雅黑" panose="020B0503020204020204" pitchFamily="34" charset="-122"/>
+                <a:sym typeface="Calibri" panose="020F0502020204030204" pitchFamily="34" charset="0"/>
+              </a:defRPr>
+            </a:lvl2pPr>
+            <a:lvl3pPr marL="1143000" indent="-228600">
+              <a:spcBef>
+                <a:spcPct val="20000"/>
+              </a:spcBef>
+              <a:buFont typeface="Arial" panose="020B0604020202020204" pitchFamily="34" charset="0"/>
+              <a:buChar char="•"/>
+              <a:defRPr sz="2400">
+                <a:solidFill>
+                  <a:schemeClr val="tx1"/>
+                </a:solidFill>
+                <a:latin typeface="微软雅黑" panose="020B0503020204020204" pitchFamily="34" charset="-122"/>
+                <a:ea typeface="微软雅黑" panose="020B0503020204020204" pitchFamily="34" charset="-122"/>
+                <a:sym typeface="Calibri" panose="020F0502020204030204" pitchFamily="34" charset="0"/>
+              </a:defRPr>
+            </a:lvl3pPr>
+            <a:lvl4pPr marL="1600200" indent="-228600">
+              <a:spcBef>
+                <a:spcPct val="20000"/>
+              </a:spcBef>
+              <a:buFont typeface="Arial" panose="020B0604020202020204" pitchFamily="34" charset="0"/>
+              <a:buChar char="–"/>
+              <a:defRPr sz="2000">
+                <a:solidFill>
+                  <a:schemeClr val="tx1"/>
+                </a:solidFill>
+                <a:latin typeface="微软雅黑" panose="020B0503020204020204" pitchFamily="34" charset="-122"/>
+                <a:ea typeface="微软雅黑" panose="020B0503020204020204" pitchFamily="34" charset="-122"/>
+                <a:sym typeface="Calibri" panose="020F0502020204030204" pitchFamily="34" charset="0"/>
+              </a:defRPr>
+            </a:lvl4pPr>
+            <a:lvl5pPr marL="2057400" indent="-228600">
+              <a:spcBef>
+                <a:spcPct val="20000"/>
+              </a:spcBef>
+              <a:buFont typeface="Arial" panose="020B0604020202020204" pitchFamily="34" charset="0"/>
+              <a:buChar char="»"/>
+              <a:defRPr sz="2000">
+                <a:solidFill>
+                  <a:schemeClr val="tx1"/>
+                </a:solidFill>
+                <a:latin typeface="微软雅黑" panose="020B0503020204020204" pitchFamily="34" charset="-122"/>
+                <a:ea typeface="微软雅黑" panose="020B0503020204020204" pitchFamily="34" charset="-122"/>
+                <a:sym typeface="Calibri" panose="020F0502020204030204" pitchFamily="34" charset="0"/>
+              </a:defRPr>
+            </a:lvl5pPr>
+            <a:lvl6pPr marL="2514600" indent="-228600" eaLnBrk="0" fontAlgn="base" hangingPunct="0">
+              <a:spcBef>
+                <a:spcPct val="20000"/>
+              </a:spcBef>
+              <a:spcAft>
+                <a:spcPct val="0"/>
+              </a:spcAft>
+              <a:buFont typeface="Arial" panose="020B0604020202020204" pitchFamily="34" charset="0"/>
+              <a:buChar char="»"/>
+              <a:defRPr sz="2000">
+                <a:solidFill>
+                  <a:schemeClr val="tx1"/>
+                </a:solidFill>
+                <a:latin typeface="微软雅黑" panose="020B0503020204020204" pitchFamily="34" charset="-122"/>
+                <a:ea typeface="微软雅黑" panose="020B0503020204020204" pitchFamily="34" charset="-122"/>
+                <a:sym typeface="Calibri" panose="020F0502020204030204" pitchFamily="34" charset="0"/>
+              </a:defRPr>
+            </a:lvl6pPr>
+            <a:lvl7pPr marL="2971800" indent="-228600" eaLnBrk="0" fontAlgn="base" hangingPunct="0">
+              <a:spcBef>
+                <a:spcPct val="20000"/>
+              </a:spcBef>
+              <a:spcAft>
+                <a:spcPct val="0"/>
+              </a:spcAft>
+              <a:buFont typeface="Arial" panose="020B0604020202020204" pitchFamily="34" charset="0"/>
+              <a:buChar char="»"/>
+              <a:defRPr sz="2000">
+                <a:solidFill>
+                  <a:schemeClr val="tx1"/>
+                </a:solidFill>
+                <a:latin typeface="微软雅黑" panose="020B0503020204020204" pitchFamily="34" charset="-122"/>
+                <a:ea typeface="微软雅黑" panose="020B0503020204020204" pitchFamily="34" charset="-122"/>
+                <a:sym typeface="Calibri" panose="020F0502020204030204" pitchFamily="34" charset="0"/>
+              </a:defRPr>
+            </a:lvl7pPr>
+            <a:lvl8pPr marL="3429000" indent="-228600" eaLnBrk="0" fontAlgn="base" hangingPunct="0">
+              <a:spcBef>
+                <a:spcPct val="20000"/>
+              </a:spcBef>
+              <a:spcAft>
+                <a:spcPct val="0"/>
+              </a:spcAft>
+              <a:buFont typeface="Arial" panose="020B0604020202020204" pitchFamily="34" charset="0"/>
+              <a:buChar char="»"/>
+              <a:defRPr sz="2000">
+                <a:solidFill>
+                  <a:schemeClr val="tx1"/>
+                </a:solidFill>
+                <a:latin typeface="微软雅黑" panose="020B0503020204020204" pitchFamily="34" charset="-122"/>
+                <a:ea typeface="微软雅黑" panose="020B0503020204020204" pitchFamily="34" charset="-122"/>
+                <a:sym typeface="Calibri" panose="020F0502020204030204" pitchFamily="34" charset="0"/>
+              </a:defRPr>
+            </a:lvl8pPr>
+            <a:lvl9pPr marL="3886200" indent="-228600" eaLnBrk="0" fontAlgn="base" hangingPunct="0">
+              <a:spcBef>
+                <a:spcPct val="20000"/>
+              </a:spcBef>
+              <a:spcAft>
+                <a:spcPct val="0"/>
+              </a:spcAft>
+              <a:buFont typeface="Arial" panose="020B0604020202020204" pitchFamily="34" charset="0"/>
+              <a:buChar char="»"/>
+              <a:defRPr sz="2000">
+                <a:solidFill>
+                  <a:schemeClr val="tx1"/>
+                </a:solidFill>
+                <a:latin typeface="微软雅黑" panose="020B0503020204020204" pitchFamily="34" charset="-122"/>
+                <a:ea typeface="微软雅黑" panose="020B0503020204020204" pitchFamily="34" charset="-122"/>
+                <a:sym typeface="Calibri" panose="020F0502020204030204" pitchFamily="34" charset="0"/>
+              </a:defRPr>
+            </a:lvl9pPr>
+          </a:lstStyle>
+          <a:p>
+            <a:pPr>
+              <a:spcBef>
+                <a:spcPct val="0"/>
+              </a:spcBef>
+              <a:buNone/>
+            </a:pPr>
+            <a:r>
+              <a:rPr lang="en-US" altLang="zh-CN" sz="1800" dirty="0" smtClean="0">
+                <a:solidFill>
+                  <a:srgbClr val="FF0000"/>
+                </a:solidFill>
+                <a:latin typeface="Arial" panose="020B0604020202020204" pitchFamily="34" charset="0"/>
+                <a:ea typeface="宋体" panose="02010600030101010101" pitchFamily="2" charset="-122"/>
+              </a:rPr>
+              <a:t>miniature</a:t>
+            </a:r>
+            <a:r>
+              <a:rPr lang="en-US" altLang="zh-CN" sz="1800" dirty="0" smtClean="0">
+                <a:solidFill>
+                  <a:srgbClr val="FFFFFF"/>
+                </a:solidFill>
+                <a:latin typeface="Arial" panose="020B0604020202020204" pitchFamily="34" charset="0"/>
+                <a:ea typeface="宋体" panose="02010600030101010101" pitchFamily="2" charset="-122"/>
+              </a:rPr>
+              <a:t>: </a:t>
+            </a:r>
+            <a:r>
+              <a:rPr lang="en-US" altLang="zh-CN" sz="1800" dirty="0">
+                <a:solidFill>
+                  <a:srgbClr val="FFFFFF"/>
+                </a:solidFill>
+                <a:latin typeface="Arial" panose="020B0604020202020204" pitchFamily="34" charset="0"/>
+                <a:ea typeface="宋体" panose="02010600030101010101" pitchFamily="2" charset="-122"/>
+              </a:rPr>
+              <a:t>to describe something which is very small, especially a smaller version of something which is normally much bigger.</a:t>
+            </a:r>
+            <a:endParaRPr lang="zh-CN" altLang="en-US" sz="1800" dirty="0">
+              <a:solidFill>
+                <a:srgbClr val="FFFFFF"/>
+              </a:solidFill>
+              <a:latin typeface="Arial" panose="020B0604020202020204" pitchFamily="34" charset="0"/>
+              <a:ea typeface="宋体" panose="02010600030101010101" pitchFamily="2" charset="-122"/>
+            </a:endParaRPr>
           </a:p>
         </p:txBody>
       </p:sp>
@@ -25033,26 +25049,35 @@
                                   </p:childTnLst>
                                 </p:cTn>
                               </p:par>
-                            </p:childTnLst>
-                          </p:cTn>
-                        </p:par>
-                      </p:childTnLst>
-                    </p:cTn>
-                  </p:par>
-                  <p:par>
-                    <p:cTn id="15" fill="hold" nodeType="clickPar">
-                      <p:stCondLst>
-                        <p:cond delay="indefinite"/>
-                      </p:stCondLst>
-                      <p:childTnLst>
-                        <p:par>
-                          <p:cTn id="16" fill="hold" nodeType="withGroup">
-                            <p:stCondLst>
-                              <p:cond delay="0"/>
-                            </p:stCondLst>
-                            <p:childTnLst>
                               <p:par>
-                                <p:cTn id="17" presetID="1" presetClass="entr" presetSubtype="0" fill="hold" grpId="0" nodeType="clickEffect">
+                                <p:cTn id="15" presetID="1" presetClass="entr" presetSubtype="0" fill="hold" nodeType="withEffect">
+                                  <p:stCondLst>
+                                    <p:cond delay="0"/>
+                                  </p:stCondLst>
+                                  <p:childTnLst>
+                                    <p:set>
+                                      <p:cBhvr>
+                                        <p:cTn id="16" dur="1" fill="hold">
+                                          <p:stCondLst>
+                                            <p:cond delay="0"/>
+                                          </p:stCondLst>
+                                        </p:cTn>
+                                        <p:tgtEl>
+                                          <p:spTgt spid="21"/>
+                                        </p:tgtEl>
+                                        <p:attrNameLst>
+                                          <p:attrName>style.visibility</p:attrName>
+                                        </p:attrNameLst>
+                                      </p:cBhvr>
+                                      <p:to>
+                                        <p:strVal val="visible"/>
+                                      </p:to>
+                                    </p:set>
+                                  </p:childTnLst>
+                                </p:cTn>
+                              </p:par>
+                              <p:par>
+                                <p:cTn id="17" presetID="1" presetClass="entr" presetSubtype="0" fill="hold" nodeType="withEffect">
                                   <p:stCondLst>
                                     <p:cond delay="0"/>
                                   </p:stCondLst>
@@ -25065,7 +25090,7 @@
                                           </p:stCondLst>
                                         </p:cTn>
                                         <p:tgtEl>
-                                          <p:spTgt spid="7"/>
+                                          <p:spTgt spid="15"/>
                                         </p:tgtEl>
                                         <p:attrNameLst>
                                           <p:attrName>style.visibility</p:attrName>
@@ -25078,26 +25103,35 @@
                                   </p:childTnLst>
                                 </p:cTn>
                               </p:par>
-                            </p:childTnLst>
-                          </p:cTn>
-                        </p:par>
-                      </p:childTnLst>
-                    </p:cTn>
-                  </p:par>
-                  <p:par>
-                    <p:cTn id="19" fill="hold" nodeType="clickPar">
-                      <p:stCondLst>
-                        <p:cond delay="indefinite"/>
-                      </p:stCondLst>
-                      <p:childTnLst>
-                        <p:par>
-                          <p:cTn id="20" fill="hold" nodeType="withGroup">
-                            <p:stCondLst>
-                              <p:cond delay="0"/>
-                            </p:stCondLst>
-                            <p:childTnLst>
                               <p:par>
-                                <p:cTn id="21" presetID="1" presetClass="entr" presetSubtype="0" fill="hold" grpId="0" nodeType="clickEffect">
+                                <p:cTn id="19" presetID="1" presetClass="entr" presetSubtype="0" fill="hold" nodeType="withEffect">
+                                  <p:stCondLst>
+                                    <p:cond delay="0"/>
+                                  </p:stCondLst>
+                                  <p:childTnLst>
+                                    <p:set>
+                                      <p:cBhvr>
+                                        <p:cTn id="20" dur="1" fill="hold">
+                                          <p:stCondLst>
+                                            <p:cond delay="0"/>
+                                          </p:stCondLst>
+                                        </p:cTn>
+                                        <p:tgtEl>
+                                          <p:spTgt spid="24"/>
+                                        </p:tgtEl>
+                                        <p:attrNameLst>
+                                          <p:attrName>style.visibility</p:attrName>
+                                        </p:attrNameLst>
+                                      </p:cBhvr>
+                                      <p:to>
+                                        <p:strVal val="visible"/>
+                                      </p:to>
+                                    </p:set>
+                                  </p:childTnLst>
+                                </p:cTn>
+                              </p:par>
+                              <p:par>
+                                <p:cTn id="21" presetID="1" presetClass="entr" presetSubtype="0" fill="hold" nodeType="withEffect">
                                   <p:stCondLst>
                                     <p:cond delay="0"/>
                                   </p:stCondLst>
@@ -25110,7 +25144,7 @@
                                           </p:stCondLst>
                                         </p:cTn>
                                         <p:tgtEl>
-                                          <p:spTgt spid="8"/>
+                                          <p:spTgt spid="18"/>
                                         </p:tgtEl>
                                         <p:attrNameLst>
                                           <p:attrName>style.visibility</p:attrName>
@@ -25142,7 +25176,7 @@
                             </p:stCondLst>
                             <p:childTnLst>
                               <p:par>
-                                <p:cTn id="25" presetID="1" presetClass="entr" presetSubtype="0" fill="hold" nodeType="clickEffect">
+                                <p:cTn id="25" presetID="1" presetClass="entr" presetSubtype="0" fill="hold" grpId="0" nodeType="clickEffect">
                                   <p:stCondLst>
                                     <p:cond delay="0"/>
                                   </p:stCondLst>
@@ -25155,7 +25189,7 @@
                                           </p:stCondLst>
                                         </p:cTn>
                                         <p:tgtEl>
-                                          <p:spTgt spid="15"/>
+                                          <p:spTgt spid="7"/>
                                         </p:tgtEl>
                                         <p:attrNameLst>
                                           <p:attrName>style.visibility</p:attrName>
@@ -25175,19 +25209,19 @@
                     </p:cTn>
                   </p:par>
                   <p:par>
-                    <p:cTn id="27" fill="hold">
+                    <p:cTn id="27" fill="hold" nodeType="clickPar">
                       <p:stCondLst>
                         <p:cond delay="indefinite"/>
                       </p:stCondLst>
                       <p:childTnLst>
                         <p:par>
-                          <p:cTn id="28" fill="hold">
+                          <p:cTn id="28" fill="hold" nodeType="withGroup">
                             <p:stCondLst>
                               <p:cond delay="0"/>
                             </p:stCondLst>
                             <p:childTnLst>
                               <p:par>
-                                <p:cTn id="29" presetID="1" presetClass="entr" presetSubtype="0" fill="hold" nodeType="clickEffect">
+                                <p:cTn id="29" presetID="1" presetClass="entr" presetSubtype="0" fill="hold" grpId="0" nodeType="clickEffect">
                                   <p:stCondLst>
                                     <p:cond delay="0"/>
                                   </p:stCondLst>
@@ -25200,7 +25234,7 @@
                                           </p:stCondLst>
                                         </p:cTn>
                                         <p:tgtEl>
-                                          <p:spTgt spid="18"/>
+                                          <p:spTgt spid="8"/>
                                         </p:tgtEl>
                                         <p:attrNameLst>
                                           <p:attrName>style.visibility</p:attrName>
@@ -25232,7 +25266,7 @@
                             </p:stCondLst>
                             <p:childTnLst>
                               <p:par>
-                                <p:cTn id="33" presetID="1" presetClass="entr" presetSubtype="0" fill="hold" nodeType="clickEffect">
+                                <p:cTn id="33" presetID="1" presetClass="entr" presetSubtype="0" fill="hold" grpId="0" nodeType="clickEffect">
                                   <p:stCondLst>
                                     <p:cond delay="0"/>
                                   </p:stCondLst>
@@ -25245,7 +25279,7 @@
                                           </p:stCondLst>
                                         </p:cTn>
                                         <p:tgtEl>
-                                          <p:spTgt spid="21"/>
+                                          <p:spTgt spid="27"/>
                                         </p:tgtEl>
                                         <p:attrNameLst>
                                           <p:attrName>style.visibility</p:attrName>
@@ -25277,7 +25311,7 @@
                             </p:stCondLst>
                             <p:childTnLst>
                               <p:par>
-                                <p:cTn id="37" presetID="1" presetClass="entr" presetSubtype="0" fill="hold" nodeType="clickEffect">
+                                <p:cTn id="37" presetID="1" presetClass="entr" presetSubtype="0" fill="hold" grpId="0" nodeType="clickEffect">
                                   <p:stCondLst>
                                     <p:cond delay="0"/>
                                   </p:stCondLst>
@@ -25290,52 +25324,7 @@
                                           </p:stCondLst>
                                         </p:cTn>
                                         <p:tgtEl>
-                                          <p:spTgt spid="24"/>
-                                        </p:tgtEl>
-                                        <p:attrNameLst>
-                                          <p:attrName>style.visibility</p:attrName>
-                                        </p:attrNameLst>
-                                      </p:cBhvr>
-                                      <p:to>
-                                        <p:strVal val="visible"/>
-                                      </p:to>
-                                    </p:set>
-                                  </p:childTnLst>
-                                </p:cTn>
-                              </p:par>
-                            </p:childTnLst>
-                          </p:cTn>
-                        </p:par>
-                      </p:childTnLst>
-                    </p:cTn>
-                  </p:par>
-                  <p:par>
-                    <p:cTn id="39" fill="hold">
-                      <p:stCondLst>
-                        <p:cond delay="indefinite"/>
-                      </p:stCondLst>
-                      <p:childTnLst>
-                        <p:par>
-                          <p:cTn id="40" fill="hold">
-                            <p:stCondLst>
-                              <p:cond delay="0"/>
-                            </p:stCondLst>
-                            <p:childTnLst>
-                              <p:par>
-                                <p:cTn id="41" presetID="1" presetClass="entr" presetSubtype="0" fill="hold" grpId="0" nodeType="clickEffect">
-                                  <p:stCondLst>
-                                    <p:cond delay="0"/>
-                                  </p:stCondLst>
-                                  <p:childTnLst>
-                                    <p:set>
-                                      <p:cBhvr>
-                                        <p:cTn id="42" dur="1" fill="hold">
-                                          <p:stCondLst>
-                                            <p:cond delay="0"/>
-                                          </p:stCondLst>
-                                        </p:cTn>
-                                        <p:tgtEl>
-                                          <p:spTgt spid="27"/>
+                                          <p:spTgt spid="29"/>
                                         </p:tgtEl>
                                         <p:attrNameLst>
                                           <p:attrName>style.visibility</p:attrName>
@@ -25381,6 +25370,7 @@
       <p:bldP spid="7" grpId="0" animBg="1"/>
       <p:bldP spid="8" grpId="0"/>
       <p:bldP spid="27" grpId="0"/>
+      <p:bldP spid="29" grpId="0"/>
     </p:bldLst>
   </p:timing>
 </p:sld>
@@ -26323,225 +26313,6 @@
               </a:solidFill>
               <a:latin typeface="Impact" panose="020B0806030902050204" pitchFamily="34" charset="0"/>
               <a:sym typeface="Impact" panose="020B0806030902050204" pitchFamily="34" charset="0"/>
-            </a:endParaRPr>
-          </a:p>
-        </p:txBody>
-      </p:sp>
-      <p:sp>
-        <p:nvSpPr>
-          <p:cNvPr id="40966" name="文本框 223"/>
-          <p:cNvSpPr>
-            <a:spLocks noChangeArrowheads="1"/>
-          </p:cNvSpPr>
-          <p:nvPr/>
-        </p:nvSpPr>
-        <p:spPr bwMode="auto">
-          <a:xfrm>
-            <a:off x="4146550" y="835025"/>
-            <a:ext cx="841375" cy="368300"/>
-          </a:xfrm>
-          <a:prstGeom prst="rect">
-            <a:avLst/>
-          </a:prstGeom>
-          <a:noFill/>
-          <a:ln>
-            <a:noFill/>
-          </a:ln>
-          <a:extLst>
-            <a:ext uri="{909E8E84-426E-40DD-AFC4-6F175D3DCCD1}">
-              <a14:hiddenFill xmlns:a14="http://schemas.microsoft.com/office/drawing/2010/main">
-                <a:solidFill>
-                  <a:srgbClr val="FFFFFF"/>
-                </a:solidFill>
-              </a14:hiddenFill>
-            </a:ext>
-            <a:ext uri="{91240B29-F687-4F45-9708-019B960494DF}">
-              <a14:hiddenLine xmlns:a14="http://schemas.microsoft.com/office/drawing/2010/main" w="9525">
-                <a:solidFill>
-                  <a:srgbClr val="000000"/>
-                </a:solidFill>
-                <a:miter lim="800000"/>
-                <a:headEnd/>
-                <a:tailEnd/>
-              </a14:hiddenLine>
-            </a:ext>
-          </a:extLst>
-        </p:spPr>
-        <p:txBody>
-          <a:bodyPr wrap="none">
-            <a:spAutoFit/>
-          </a:bodyPr>
-          <a:lstStyle>
-            <a:lvl1pPr>
-              <a:spcBef>
-                <a:spcPct val="20000"/>
-              </a:spcBef>
-              <a:buFont typeface="Arial" panose="020B0604020202020204" pitchFamily="34" charset="0"/>
-              <a:buChar char="•"/>
-              <a:defRPr sz="3200">
-                <a:solidFill>
-                  <a:schemeClr val="tx1"/>
-                </a:solidFill>
-                <a:latin typeface="微软雅黑" panose="020B0503020204020204" pitchFamily="34" charset="-122"/>
-                <a:ea typeface="微软雅黑" panose="020B0503020204020204" pitchFamily="34" charset="-122"/>
-                <a:sym typeface="Calibri" panose="020F0502020204030204" pitchFamily="34" charset="0"/>
-              </a:defRPr>
-            </a:lvl1pPr>
-            <a:lvl2pPr marL="742950" indent="-285750">
-              <a:spcBef>
-                <a:spcPct val="20000"/>
-              </a:spcBef>
-              <a:buFont typeface="Arial" panose="020B0604020202020204" pitchFamily="34" charset="0"/>
-              <a:buChar char="–"/>
-              <a:defRPr sz="2800">
-                <a:solidFill>
-                  <a:schemeClr val="tx1"/>
-                </a:solidFill>
-                <a:latin typeface="微软雅黑" panose="020B0503020204020204" pitchFamily="34" charset="-122"/>
-                <a:ea typeface="微软雅黑" panose="020B0503020204020204" pitchFamily="34" charset="-122"/>
-                <a:sym typeface="Calibri" panose="020F0502020204030204" pitchFamily="34" charset="0"/>
-              </a:defRPr>
-            </a:lvl2pPr>
-            <a:lvl3pPr marL="1143000" indent="-228600">
-              <a:spcBef>
-                <a:spcPct val="20000"/>
-              </a:spcBef>
-              <a:buFont typeface="Arial" panose="020B0604020202020204" pitchFamily="34" charset="0"/>
-              <a:buChar char="•"/>
-              <a:defRPr sz="2400">
-                <a:solidFill>
-                  <a:schemeClr val="tx1"/>
-                </a:solidFill>
-                <a:latin typeface="微软雅黑" panose="020B0503020204020204" pitchFamily="34" charset="-122"/>
-                <a:ea typeface="微软雅黑" panose="020B0503020204020204" pitchFamily="34" charset="-122"/>
-                <a:sym typeface="Calibri" panose="020F0502020204030204" pitchFamily="34" charset="0"/>
-              </a:defRPr>
-            </a:lvl3pPr>
-            <a:lvl4pPr marL="1600200" indent="-228600">
-              <a:spcBef>
-                <a:spcPct val="20000"/>
-              </a:spcBef>
-              <a:buFont typeface="Arial" panose="020B0604020202020204" pitchFamily="34" charset="0"/>
-              <a:buChar char="–"/>
-              <a:defRPr sz="2000">
-                <a:solidFill>
-                  <a:schemeClr val="tx1"/>
-                </a:solidFill>
-                <a:latin typeface="微软雅黑" panose="020B0503020204020204" pitchFamily="34" charset="-122"/>
-                <a:ea typeface="微软雅黑" panose="020B0503020204020204" pitchFamily="34" charset="-122"/>
-                <a:sym typeface="Calibri" panose="020F0502020204030204" pitchFamily="34" charset="0"/>
-              </a:defRPr>
-            </a:lvl4pPr>
-            <a:lvl5pPr marL="2057400" indent="-228600">
-              <a:spcBef>
-                <a:spcPct val="20000"/>
-              </a:spcBef>
-              <a:buFont typeface="Arial" panose="020B0604020202020204" pitchFamily="34" charset="0"/>
-              <a:buChar char="»"/>
-              <a:defRPr sz="2000">
-                <a:solidFill>
-                  <a:schemeClr val="tx1"/>
-                </a:solidFill>
-                <a:latin typeface="微软雅黑" panose="020B0503020204020204" pitchFamily="34" charset="-122"/>
-                <a:ea typeface="微软雅黑" panose="020B0503020204020204" pitchFamily="34" charset="-122"/>
-                <a:sym typeface="Calibri" panose="020F0502020204030204" pitchFamily="34" charset="0"/>
-              </a:defRPr>
-            </a:lvl5pPr>
-            <a:lvl6pPr marL="2514600" indent="-228600" eaLnBrk="0" fontAlgn="base" hangingPunct="0">
-              <a:spcBef>
-                <a:spcPct val="20000"/>
-              </a:spcBef>
-              <a:spcAft>
-                <a:spcPct val="0"/>
-              </a:spcAft>
-              <a:buFont typeface="Arial" panose="020B0604020202020204" pitchFamily="34" charset="0"/>
-              <a:buChar char="»"/>
-              <a:defRPr sz="2000">
-                <a:solidFill>
-                  <a:schemeClr val="tx1"/>
-                </a:solidFill>
-                <a:latin typeface="微软雅黑" panose="020B0503020204020204" pitchFamily="34" charset="-122"/>
-                <a:ea typeface="微软雅黑" panose="020B0503020204020204" pitchFamily="34" charset="-122"/>
-                <a:sym typeface="Calibri" panose="020F0502020204030204" pitchFamily="34" charset="0"/>
-              </a:defRPr>
-            </a:lvl6pPr>
-            <a:lvl7pPr marL="2971800" indent="-228600" eaLnBrk="0" fontAlgn="base" hangingPunct="0">
-              <a:spcBef>
-                <a:spcPct val="20000"/>
-              </a:spcBef>
-              <a:spcAft>
-                <a:spcPct val="0"/>
-              </a:spcAft>
-              <a:buFont typeface="Arial" panose="020B0604020202020204" pitchFamily="34" charset="0"/>
-              <a:buChar char="»"/>
-              <a:defRPr sz="2000">
-                <a:solidFill>
-                  <a:schemeClr val="tx1"/>
-                </a:solidFill>
-                <a:latin typeface="微软雅黑" panose="020B0503020204020204" pitchFamily="34" charset="-122"/>
-                <a:ea typeface="微软雅黑" panose="020B0503020204020204" pitchFamily="34" charset="-122"/>
-                <a:sym typeface="Calibri" panose="020F0502020204030204" pitchFamily="34" charset="0"/>
-              </a:defRPr>
-            </a:lvl7pPr>
-            <a:lvl8pPr marL="3429000" indent="-228600" eaLnBrk="0" fontAlgn="base" hangingPunct="0">
-              <a:spcBef>
-                <a:spcPct val="20000"/>
-              </a:spcBef>
-              <a:spcAft>
-                <a:spcPct val="0"/>
-              </a:spcAft>
-              <a:buFont typeface="Arial" panose="020B0604020202020204" pitchFamily="34" charset="0"/>
-              <a:buChar char="»"/>
-              <a:defRPr sz="2000">
-                <a:solidFill>
-                  <a:schemeClr val="tx1"/>
-                </a:solidFill>
-                <a:latin typeface="微软雅黑" panose="020B0503020204020204" pitchFamily="34" charset="-122"/>
-                <a:ea typeface="微软雅黑" panose="020B0503020204020204" pitchFamily="34" charset="-122"/>
-                <a:sym typeface="Calibri" panose="020F0502020204030204" pitchFamily="34" charset="0"/>
-              </a:defRPr>
-            </a:lvl8pPr>
-            <a:lvl9pPr marL="3886200" indent="-228600" eaLnBrk="0" fontAlgn="base" hangingPunct="0">
-              <a:spcBef>
-                <a:spcPct val="20000"/>
-              </a:spcBef>
-              <a:spcAft>
-                <a:spcPct val="0"/>
-              </a:spcAft>
-              <a:buFont typeface="Arial" panose="020B0604020202020204" pitchFamily="34" charset="0"/>
-              <a:buChar char="»"/>
-              <a:defRPr sz="2000">
-                <a:solidFill>
-                  <a:schemeClr val="tx1"/>
-                </a:solidFill>
-                <a:latin typeface="微软雅黑" panose="020B0503020204020204" pitchFamily="34" charset="-122"/>
-                <a:ea typeface="微软雅黑" panose="020B0503020204020204" pitchFamily="34" charset="-122"/>
-                <a:sym typeface="Calibri" panose="020F0502020204030204" pitchFamily="34" charset="0"/>
-              </a:defRPr>
-            </a:lvl9pPr>
-          </a:lstStyle>
-          <a:p>
-            <a:pPr algn="ctr" eaLnBrk="1" hangingPunct="1">
-              <a:spcBef>
-                <a:spcPct val="0"/>
-              </a:spcBef>
-              <a:buFont typeface="Arial" panose="020B0604020202020204" pitchFamily="34" charset="0"/>
-              <a:buNone/>
-            </a:pPr>
-            <a:r>
-              <a:rPr lang="en-US" altLang="zh-CN" sz="1800" dirty="0">
-                <a:solidFill>
-                  <a:srgbClr val="7F7F7F"/>
-                </a:solidFill>
-                <a:sym typeface="微软雅黑" panose="020B0503020204020204" pitchFamily="34" charset="-122"/>
-              </a:rPr>
-              <a:t>LOGO</a:t>
-            </a:r>
-            <a:endParaRPr lang="zh-CN" altLang="en-US" sz="1800" dirty="0">
-              <a:solidFill>
-                <a:srgbClr val="7F7F7F"/>
-              </a:solidFill>
-              <a:sym typeface="微软雅黑" panose="020B0503020204020204" pitchFamily="34" charset="-122"/>
             </a:endParaRPr>
           </a:p>
         </p:txBody>

--- a/林广和.pptx
+++ b/林广和.pptx
@@ -318,7 +318,7 @@
               <a:pPr>
                 <a:defRPr/>
               </a:pPr>
-              <a:t>2016/5/15</a:t>
+              <a:t>2016/5/18</a:t>
             </a:fld>
             <a:endParaRPr lang="zh-CN" altLang="en-US" sz="1200">
               <a:latin typeface="微软雅黑" panose="020B0503020204020204" pitchFamily="34" charset="-122"/>
@@ -988,7 +988,7 @@
               <a:pPr>
                 <a:defRPr/>
               </a:pPr>
-              <a:t>2016/5/15</a:t>
+              <a:t>2016/5/18</a:t>
             </a:fld>
             <a:endParaRPr lang="zh-CN" altLang="en-US" sz="1800">
               <a:solidFill>
@@ -1203,7 +1203,7 @@
               <a:pPr>
                 <a:defRPr/>
               </a:pPr>
-              <a:t>2016/5/15</a:t>
+              <a:t>2016/5/18</a:t>
             </a:fld>
             <a:endParaRPr lang="zh-CN" altLang="en-US" sz="1800">
               <a:solidFill>
@@ -1428,7 +1428,7 @@
               <a:pPr>
                 <a:defRPr/>
               </a:pPr>
-              <a:t>2016/5/15</a:t>
+              <a:t>2016/5/18</a:t>
             </a:fld>
             <a:endParaRPr lang="zh-CN" altLang="en-US" sz="1800">
               <a:solidFill>
@@ -1643,7 +1643,7 @@
               <a:pPr>
                 <a:defRPr/>
               </a:pPr>
-              <a:t>2016/5/15</a:t>
+              <a:t>2016/5/18</a:t>
             </a:fld>
             <a:endParaRPr lang="zh-CN" altLang="en-US" sz="1800">
               <a:solidFill>
@@ -1880,7 +1880,7 @@
               <a:pPr>
                 <a:defRPr/>
               </a:pPr>
-              <a:t>2016/5/15</a:t>
+              <a:t>2016/5/18</a:t>
             </a:fld>
             <a:endParaRPr lang="zh-CN" altLang="en-US" sz="1800">
               <a:solidFill>
@@ -2157,7 +2157,7 @@
               <a:pPr>
                 <a:defRPr/>
               </a:pPr>
-              <a:t>2016/5/15</a:t>
+              <a:t>2016/5/18</a:t>
             </a:fld>
             <a:endParaRPr lang="zh-CN" altLang="en-US" sz="1800">
               <a:solidFill>
@@ -2569,7 +2569,7 @@
               <a:pPr>
                 <a:defRPr/>
               </a:pPr>
-              <a:t>2016/5/15</a:t>
+              <a:t>2016/5/18</a:t>
             </a:fld>
             <a:endParaRPr lang="zh-CN" altLang="en-US" sz="1800">
               <a:solidFill>
@@ -2732,7 +2732,7 @@
               <a:pPr>
                 <a:defRPr/>
               </a:pPr>
-              <a:t>2016/5/15</a:t>
+              <a:t>2016/5/18</a:t>
             </a:fld>
             <a:endParaRPr lang="zh-CN" altLang="en-US" sz="1800">
               <a:solidFill>
@@ -2872,7 +2872,7 @@
               <a:pPr>
                 <a:defRPr/>
               </a:pPr>
-              <a:t>2016/5/15</a:t>
+              <a:t>2016/5/18</a:t>
             </a:fld>
             <a:endParaRPr lang="zh-CN" altLang="en-US" sz="1800">
               <a:solidFill>
@@ -3194,7 +3194,7 @@
               <a:pPr>
                 <a:defRPr/>
               </a:pPr>
-              <a:t>2016/5/15</a:t>
+              <a:t>2016/5/18</a:t>
             </a:fld>
             <a:endParaRPr lang="zh-CN" altLang="en-US" sz="1800">
               <a:solidFill>
@@ -3495,7 +3495,7 @@
               <a:pPr>
                 <a:defRPr/>
               </a:pPr>
-              <a:t>2016/5/15</a:t>
+              <a:t>2016/5/18</a:t>
             </a:fld>
             <a:endParaRPr lang="zh-CN" altLang="en-US" sz="1800">
               <a:solidFill>
@@ -3841,7 +3841,7 @@
               <a:pPr>
                 <a:defRPr/>
               </a:pPr>
-              <a:t>2016/5/15</a:t>
+              <a:t>2016/5/18</a:t>
             </a:fld>
             <a:endParaRPr lang="zh-CN" altLang="en-US" sz="1800">
               <a:solidFill>
@@ -8691,8 +8691,19 @@
                 <a:latin typeface="Arial" panose="020B0604020202020204" pitchFamily="34" charset="0"/>
                 <a:ea typeface="宋体" panose="02010600030101010101" pitchFamily="2" charset="-122"/>
               </a:rPr>
-              <a:t>the times...</a:t>
+              <a:t>the times</a:t>
             </a:r>
+            <a:r>
+              <a:rPr lang="en-US" altLang="zh-CN" sz="1800" dirty="0" smtClean="0">
+                <a:latin typeface="Arial" panose="020B0604020202020204" pitchFamily="34" charset="0"/>
+                <a:ea typeface="宋体" panose="02010600030101010101" pitchFamily="2" charset="-122"/>
+              </a:rPr>
+              <a:t>.</a:t>
+            </a:r>
+            <a:endParaRPr lang="en-US" altLang="zh-CN" sz="1800" dirty="0">
+              <a:latin typeface="Arial" panose="020B0604020202020204" pitchFamily="34" charset="0"/>
+              <a:ea typeface="宋体" panose="02010600030101010101" pitchFamily="2" charset="-122"/>
+            </a:endParaRPr>
           </a:p>
           <a:p>
             <a:pPr>
@@ -18430,10 +18441,10 @@
         </p:nvGrpSpPr>
         <p:grpSpPr bwMode="auto">
           <a:xfrm>
-            <a:off x="2935926" y="2847584"/>
-            <a:ext cx="2788154" cy="646331"/>
-            <a:chOff x="382108" y="2648351"/>
-            <a:chExt cx="3114374" cy="675853"/>
+            <a:off x="3434050" y="2877096"/>
+            <a:ext cx="1924094" cy="552802"/>
+            <a:chOff x="382108" y="2679211"/>
+            <a:chExt cx="3114374" cy="578052"/>
           </a:xfrm>
         </p:grpSpPr>
         <p:pic>
@@ -18500,8 +18511,8 @@
           </p:nvSpPr>
           <p:spPr bwMode="auto">
             <a:xfrm>
-              <a:off x="382108" y="2648351"/>
-              <a:ext cx="3096215" cy="675853"/>
+              <a:off x="382108" y="2793176"/>
+              <a:ext cx="3096215" cy="386202"/>
             </a:xfrm>
             <a:prstGeom prst="rect">
               <a:avLst/>
@@ -18699,7 +18710,7 @@
                   <a:latin typeface="Arial" panose="020B0604020202020204" pitchFamily="34" charset="0"/>
                   <a:ea typeface="宋体" panose="02010600030101010101" pitchFamily="2" charset="-122"/>
                 </a:rPr>
-                <a:t>“as just another nerd” we can </a:t>
+                <a:t>“nerd” is </a:t>
               </a:r>
               <a:r>
                 <a:rPr lang="en-US" altLang="zh-CN" sz="1800" dirty="0">
@@ -18709,7 +18720,7 @@
                   <a:latin typeface="Arial" panose="020B0604020202020204" pitchFamily="34" charset="0"/>
                   <a:ea typeface="宋体" panose="02010600030101010101" pitchFamily="2" charset="-122"/>
                 </a:rPr>
-                <a:t>know it is a </a:t>
+                <a:t>a </a:t>
               </a:r>
               <a:r>
                 <a:rPr lang="en-US" altLang="zh-CN" sz="1800" dirty="0" smtClean="0">
@@ -19589,8 +19600,8 @@
         </p:nvSpPr>
         <p:spPr bwMode="auto">
           <a:xfrm>
-            <a:off x="4500225" y="3503850"/>
-            <a:ext cx="431800" cy="508000"/>
+            <a:off x="4139970" y="3503850"/>
+            <a:ext cx="431800" cy="291985"/>
           </a:xfrm>
           <a:prstGeom prst="downArrow">
             <a:avLst>
@@ -19798,8 +19809,8 @@
         </p:nvSpPr>
         <p:spPr bwMode="auto">
           <a:xfrm>
-            <a:off x="1183014" y="4096590"/>
-            <a:ext cx="7205252" cy="646331"/>
+            <a:off x="3707940" y="3795835"/>
+            <a:ext cx="1584110" cy="646331"/>
           </a:xfrm>
           <a:prstGeom prst="rect">
             <a:avLst/>
@@ -19989,25 +20000,32 @@
               <a:buNone/>
             </a:pPr>
             <a:r>
-              <a:rPr lang="en-US" altLang="zh-CN" sz="1800" dirty="0" smtClean="0">
+              <a:rPr lang="en-US" altLang="zh-CN" sz="1800" dirty="0">
                 <a:solidFill>
                   <a:srgbClr val="FFFFFF"/>
                 </a:solidFill>
                 <a:latin typeface="Arial" panose="020B0604020202020204" pitchFamily="34" charset="0"/>
                 <a:ea typeface="宋体" panose="02010600030101010101" pitchFamily="2" charset="-122"/>
               </a:rPr>
-              <a:t>Nerd</a:t>
+              <a:t>Nerd </a:t>
             </a:r>
             <a:r>
-              <a:rPr lang="en-US" altLang="zh-CN" sz="1800" dirty="0">
+              <a:rPr lang="en-US" altLang="zh-CN" sz="1800" dirty="0" smtClean="0">
                 <a:solidFill>
                   <a:srgbClr val="FFFFFF"/>
                 </a:solidFill>
                 <a:latin typeface="Arial" panose="020B0604020202020204" pitchFamily="34" charset="0"/>
                 <a:ea typeface="宋体" panose="02010600030101010101" pitchFamily="2" charset="-122"/>
               </a:rPr>
-              <a:t>: someone who is a technological expert but is socially unskilled.</a:t>
+              <a:t>≈ Geek.</a:t>
             </a:r>
+            <a:endParaRPr lang="en-US" altLang="zh-CN" sz="1800" dirty="0">
+              <a:solidFill>
+                <a:srgbClr val="FFFFFF"/>
+              </a:solidFill>
+              <a:latin typeface="Arial" panose="020B0604020202020204" pitchFamily="34" charset="0"/>
+              <a:ea typeface="宋体" panose="02010600030101010101" pitchFamily="2" charset="-122"/>
+            </a:endParaRPr>
           </a:p>
           <a:p>
             <a:pPr>
@@ -20323,8 +20341,8 @@
         </p:nvSpPr>
         <p:spPr bwMode="auto">
           <a:xfrm rot="-2700000">
-            <a:off x="1620269" y="3493605"/>
-            <a:ext cx="431800" cy="508000"/>
+            <a:off x="1567573" y="3515432"/>
+            <a:ext cx="431800" cy="358951"/>
           </a:xfrm>
           <a:prstGeom prst="downArrow">
             <a:avLst>
@@ -20532,8 +20550,8 @@
         </p:nvSpPr>
         <p:spPr bwMode="auto">
           <a:xfrm rot="2700000">
-            <a:off x="7380195" y="3503850"/>
-            <a:ext cx="431800" cy="508000"/>
+            <a:off x="7460530" y="3537126"/>
+            <a:ext cx="431800" cy="280778"/>
           </a:xfrm>
           <a:prstGeom prst="downArrow">
             <a:avLst>
@@ -20725,6 +20743,242 @@
               <a:buNone/>
             </a:pPr>
             <a:endParaRPr lang="zh-CN" altLang="en-US" sz="1800">
+              <a:latin typeface="Arial" panose="020B0604020202020204" pitchFamily="34" charset="0"/>
+              <a:ea typeface="宋体" panose="02010600030101010101" pitchFamily="2" charset="-122"/>
+            </a:endParaRPr>
+          </a:p>
+        </p:txBody>
+      </p:sp>
+      <p:sp>
+        <p:nvSpPr>
+          <p:cNvPr id="21" name="文本框 20"/>
+          <p:cNvSpPr txBox="1">
+            <a:spLocks noChangeArrowheads="1"/>
+          </p:cNvSpPr>
+          <p:nvPr/>
+        </p:nvSpPr>
+        <p:spPr bwMode="auto">
+          <a:xfrm>
+            <a:off x="1331775" y="4295387"/>
+            <a:ext cx="7205252" cy="646331"/>
+          </a:xfrm>
+          <a:prstGeom prst="rect">
+            <a:avLst/>
+          </a:prstGeom>
+          <a:noFill/>
+          <a:ln>
+            <a:noFill/>
+          </a:ln>
+          <a:extLst>
+            <a:ext uri="{909E8E84-426E-40DD-AFC4-6F175D3DCCD1}">
+              <a14:hiddenFill xmlns:a14="http://schemas.microsoft.com/office/drawing/2010/main">
+                <a:solidFill>
+                  <a:srgbClr val="FFFFFF"/>
+                </a:solidFill>
+              </a14:hiddenFill>
+            </a:ext>
+            <a:ext uri="{91240B29-F687-4F45-9708-019B960494DF}">
+              <a14:hiddenLine xmlns:a14="http://schemas.microsoft.com/office/drawing/2010/main" w="9525">
+                <a:solidFill>
+                  <a:srgbClr val="000000"/>
+                </a:solidFill>
+                <a:miter lim="800000"/>
+                <a:headEnd/>
+                <a:tailEnd/>
+              </a14:hiddenLine>
+            </a:ext>
+          </a:extLst>
+        </p:spPr>
+        <p:txBody>
+          <a:bodyPr wrap="square">
+            <a:spAutoFit/>
+          </a:bodyPr>
+          <a:lstStyle>
+            <a:lvl1pPr>
+              <a:spcBef>
+                <a:spcPct val="20000"/>
+              </a:spcBef>
+              <a:buFont typeface="Arial" panose="020B0604020202020204" pitchFamily="34" charset="0"/>
+              <a:buChar char="•"/>
+              <a:defRPr sz="3200">
+                <a:solidFill>
+                  <a:schemeClr val="tx1"/>
+                </a:solidFill>
+                <a:latin typeface="微软雅黑" panose="020B0503020204020204" pitchFamily="34" charset="-122"/>
+                <a:ea typeface="微软雅黑" panose="020B0503020204020204" pitchFamily="34" charset="-122"/>
+                <a:sym typeface="Calibri" panose="020F0502020204030204" pitchFamily="34" charset="0"/>
+              </a:defRPr>
+            </a:lvl1pPr>
+            <a:lvl2pPr marL="742950" indent="-285750">
+              <a:spcBef>
+                <a:spcPct val="20000"/>
+              </a:spcBef>
+              <a:buFont typeface="Arial" panose="020B0604020202020204" pitchFamily="34" charset="0"/>
+              <a:buChar char="–"/>
+              <a:defRPr sz="2800">
+                <a:solidFill>
+                  <a:schemeClr val="tx1"/>
+                </a:solidFill>
+                <a:latin typeface="微软雅黑" panose="020B0503020204020204" pitchFamily="34" charset="-122"/>
+                <a:ea typeface="微软雅黑" panose="020B0503020204020204" pitchFamily="34" charset="-122"/>
+                <a:sym typeface="Calibri" panose="020F0502020204030204" pitchFamily="34" charset="0"/>
+              </a:defRPr>
+            </a:lvl2pPr>
+            <a:lvl3pPr marL="1143000" indent="-228600">
+              <a:spcBef>
+                <a:spcPct val="20000"/>
+              </a:spcBef>
+              <a:buFont typeface="Arial" panose="020B0604020202020204" pitchFamily="34" charset="0"/>
+              <a:buChar char="•"/>
+              <a:defRPr sz="2400">
+                <a:solidFill>
+                  <a:schemeClr val="tx1"/>
+                </a:solidFill>
+                <a:latin typeface="微软雅黑" panose="020B0503020204020204" pitchFamily="34" charset="-122"/>
+                <a:ea typeface="微软雅黑" panose="020B0503020204020204" pitchFamily="34" charset="-122"/>
+                <a:sym typeface="Calibri" panose="020F0502020204030204" pitchFamily="34" charset="0"/>
+              </a:defRPr>
+            </a:lvl3pPr>
+            <a:lvl4pPr marL="1600200" indent="-228600">
+              <a:spcBef>
+                <a:spcPct val="20000"/>
+              </a:spcBef>
+              <a:buFont typeface="Arial" panose="020B0604020202020204" pitchFamily="34" charset="0"/>
+              <a:buChar char="–"/>
+              <a:defRPr sz="2000">
+                <a:solidFill>
+                  <a:schemeClr val="tx1"/>
+                </a:solidFill>
+                <a:latin typeface="微软雅黑" panose="020B0503020204020204" pitchFamily="34" charset="-122"/>
+                <a:ea typeface="微软雅黑" panose="020B0503020204020204" pitchFamily="34" charset="-122"/>
+                <a:sym typeface="Calibri" panose="020F0502020204030204" pitchFamily="34" charset="0"/>
+              </a:defRPr>
+            </a:lvl4pPr>
+            <a:lvl5pPr marL="2057400" indent="-228600">
+              <a:spcBef>
+                <a:spcPct val="20000"/>
+              </a:spcBef>
+              <a:buFont typeface="Arial" panose="020B0604020202020204" pitchFamily="34" charset="0"/>
+              <a:buChar char="»"/>
+              <a:defRPr sz="2000">
+                <a:solidFill>
+                  <a:schemeClr val="tx1"/>
+                </a:solidFill>
+                <a:latin typeface="微软雅黑" panose="020B0503020204020204" pitchFamily="34" charset="-122"/>
+                <a:ea typeface="微软雅黑" panose="020B0503020204020204" pitchFamily="34" charset="-122"/>
+                <a:sym typeface="Calibri" panose="020F0502020204030204" pitchFamily="34" charset="0"/>
+              </a:defRPr>
+            </a:lvl5pPr>
+            <a:lvl6pPr marL="2514600" indent="-228600" eaLnBrk="0" fontAlgn="base" hangingPunct="0">
+              <a:spcBef>
+                <a:spcPct val="20000"/>
+              </a:spcBef>
+              <a:spcAft>
+                <a:spcPct val="0"/>
+              </a:spcAft>
+              <a:buFont typeface="Arial" panose="020B0604020202020204" pitchFamily="34" charset="0"/>
+              <a:buChar char="»"/>
+              <a:defRPr sz="2000">
+                <a:solidFill>
+                  <a:schemeClr val="tx1"/>
+                </a:solidFill>
+                <a:latin typeface="微软雅黑" panose="020B0503020204020204" pitchFamily="34" charset="-122"/>
+                <a:ea typeface="微软雅黑" panose="020B0503020204020204" pitchFamily="34" charset="-122"/>
+                <a:sym typeface="Calibri" panose="020F0502020204030204" pitchFamily="34" charset="0"/>
+              </a:defRPr>
+            </a:lvl6pPr>
+            <a:lvl7pPr marL="2971800" indent="-228600" eaLnBrk="0" fontAlgn="base" hangingPunct="0">
+              <a:spcBef>
+                <a:spcPct val="20000"/>
+              </a:spcBef>
+              <a:spcAft>
+                <a:spcPct val="0"/>
+              </a:spcAft>
+              <a:buFont typeface="Arial" panose="020B0604020202020204" pitchFamily="34" charset="0"/>
+              <a:buChar char="»"/>
+              <a:defRPr sz="2000">
+                <a:solidFill>
+                  <a:schemeClr val="tx1"/>
+                </a:solidFill>
+                <a:latin typeface="微软雅黑" panose="020B0503020204020204" pitchFamily="34" charset="-122"/>
+                <a:ea typeface="微软雅黑" panose="020B0503020204020204" pitchFamily="34" charset="-122"/>
+                <a:sym typeface="Calibri" panose="020F0502020204030204" pitchFamily="34" charset="0"/>
+              </a:defRPr>
+            </a:lvl7pPr>
+            <a:lvl8pPr marL="3429000" indent="-228600" eaLnBrk="0" fontAlgn="base" hangingPunct="0">
+              <a:spcBef>
+                <a:spcPct val="20000"/>
+              </a:spcBef>
+              <a:spcAft>
+                <a:spcPct val="0"/>
+              </a:spcAft>
+              <a:buFont typeface="Arial" panose="020B0604020202020204" pitchFamily="34" charset="0"/>
+              <a:buChar char="»"/>
+              <a:defRPr sz="2000">
+                <a:solidFill>
+                  <a:schemeClr val="tx1"/>
+                </a:solidFill>
+                <a:latin typeface="微软雅黑" panose="020B0503020204020204" pitchFamily="34" charset="-122"/>
+                <a:ea typeface="微软雅黑" panose="020B0503020204020204" pitchFamily="34" charset="-122"/>
+                <a:sym typeface="Calibri" panose="020F0502020204030204" pitchFamily="34" charset="0"/>
+              </a:defRPr>
+            </a:lvl8pPr>
+            <a:lvl9pPr marL="3886200" indent="-228600" eaLnBrk="0" fontAlgn="base" hangingPunct="0">
+              <a:spcBef>
+                <a:spcPct val="20000"/>
+              </a:spcBef>
+              <a:spcAft>
+                <a:spcPct val="0"/>
+              </a:spcAft>
+              <a:buFont typeface="Arial" panose="020B0604020202020204" pitchFamily="34" charset="0"/>
+              <a:buChar char="»"/>
+              <a:defRPr sz="2000">
+                <a:solidFill>
+                  <a:schemeClr val="tx1"/>
+                </a:solidFill>
+                <a:latin typeface="微软雅黑" panose="020B0503020204020204" pitchFamily="34" charset="-122"/>
+                <a:ea typeface="微软雅黑" panose="020B0503020204020204" pitchFamily="34" charset="-122"/>
+                <a:sym typeface="Calibri" panose="020F0502020204030204" pitchFamily="34" charset="0"/>
+              </a:defRPr>
+            </a:lvl9pPr>
+          </a:lstStyle>
+          <a:p>
+            <a:pPr>
+              <a:spcBef>
+                <a:spcPct val="0"/>
+              </a:spcBef>
+              <a:buNone/>
+            </a:pPr>
+            <a:r>
+              <a:rPr lang="en-US" altLang="zh-CN" sz="1800" dirty="0" smtClean="0">
+                <a:solidFill>
+                  <a:srgbClr val="FFFFFF"/>
+                </a:solidFill>
+                <a:latin typeface="Arial" panose="020B0604020202020204" pitchFamily="34" charset="0"/>
+                <a:ea typeface="宋体" panose="02010600030101010101" pitchFamily="2" charset="-122"/>
+              </a:rPr>
+              <a:t>Nerd</a:t>
+            </a:r>
+            <a:r>
+              <a:rPr lang="en-US" altLang="zh-CN" sz="1800" dirty="0">
+                <a:solidFill>
+                  <a:srgbClr val="FFFFFF"/>
+                </a:solidFill>
+                <a:latin typeface="Arial" panose="020B0604020202020204" pitchFamily="34" charset="0"/>
+                <a:ea typeface="宋体" panose="02010600030101010101" pitchFamily="2" charset="-122"/>
+              </a:rPr>
+              <a:t>: someone who is a technological expert but is socially unskilled.</a:t>
+            </a:r>
+          </a:p>
+          <a:p>
+            <a:pPr>
+              <a:spcBef>
+                <a:spcPct val="0"/>
+              </a:spcBef>
+              <a:buFontTx/>
+              <a:buNone/>
+            </a:pPr>
+            <a:endParaRPr lang="zh-CN" altLang="en-US" sz="1800" dirty="0">
               <a:latin typeface="Arial" panose="020B0604020202020204" pitchFamily="34" charset="0"/>
               <a:ea typeface="宋体" panose="02010600030101010101" pitchFamily="2" charset="-122"/>
             </a:endParaRPr>
@@ -20778,6 +21032,33 @@
                                           </p:stCondLst>
                                         </p:cTn>
                                         <p:tgtEl>
+                                          <p:spTgt spid="5128"/>
+                                        </p:tgtEl>
+                                        <p:attrNameLst>
+                                          <p:attrName>style.visibility</p:attrName>
+                                        </p:attrNameLst>
+                                      </p:cBhvr>
+                                      <p:to>
+                                        <p:strVal val="visible"/>
+                                      </p:to>
+                                    </p:set>
+                                  </p:childTnLst>
+                                </p:cTn>
+                              </p:par>
+                              <p:par>
+                                <p:cTn id="7" presetID="1" presetClass="entr" presetSubtype="0" fill="hold" grpId="0" nodeType="withEffect">
+                                  <p:stCondLst>
+                                    <p:cond delay="0"/>
+                                  </p:stCondLst>
+                                  <p:childTnLst>
+                                    <p:set>
+                                      <p:cBhvr>
+                                        <p:cTn id="8" dur="1" fill="hold">
+                                          <p:stCondLst>
+                                            <p:cond delay="0"/>
+                                          </p:stCondLst>
+                                        </p:cTn>
+                                        <p:tgtEl>
                                           <p:spTgt spid="5130"/>
                                         </p:tgtEl>
                                         <p:attrNameLst>
@@ -20798,71 +21079,26 @@
                     </p:cTn>
                   </p:par>
                   <p:par>
-                    <p:cTn id="7" fill="hold" nodeType="clickPar">
+                    <p:cTn id="9" fill="hold">
                       <p:stCondLst>
                         <p:cond delay="indefinite"/>
                       </p:stCondLst>
                       <p:childTnLst>
                         <p:par>
-                          <p:cTn id="8" fill="hold" nodeType="withGroup">
+                          <p:cTn id="10" fill="hold">
                             <p:stCondLst>
                               <p:cond delay="0"/>
                             </p:stCondLst>
                             <p:childTnLst>
                               <p:par>
-                                <p:cTn id="9" presetID="1" presetClass="entr" presetSubtype="0" fill="hold" grpId="0" nodeType="clickEffect">
+                                <p:cTn id="11" presetID="1" presetClass="entr" presetSubtype="0" fill="hold" nodeType="clickEffect">
                                   <p:stCondLst>
                                     <p:cond delay="0"/>
                                   </p:stCondLst>
                                   <p:childTnLst>
                                     <p:set>
                                       <p:cBhvr>
-                                        <p:cTn id="10" dur="1" fill="hold">
-                                          <p:stCondLst>
-                                            <p:cond delay="0"/>
-                                          </p:stCondLst>
-                                        </p:cTn>
-                                        <p:tgtEl>
-                                          <p:spTgt spid="5128"/>
-                                        </p:tgtEl>
-                                        <p:attrNameLst>
-                                          <p:attrName>style.visibility</p:attrName>
-                                        </p:attrNameLst>
-                                      </p:cBhvr>
-                                      <p:to>
-                                        <p:strVal val="visible"/>
-                                      </p:to>
-                                    </p:set>
-                                  </p:childTnLst>
-                                </p:cTn>
-                              </p:par>
-                            </p:childTnLst>
-                          </p:cTn>
-                        </p:par>
-                      </p:childTnLst>
-                    </p:cTn>
-                  </p:par>
-                  <p:par>
-                    <p:cTn id="11" fill="hold" nodeType="clickPar">
-                      <p:stCondLst>
-                        <p:cond delay="indefinite"/>
-                      </p:stCondLst>
-                      <p:childTnLst>
-                        <p:par>
-                          <p:cTn id="12" fill="hold" nodeType="withGroup">
-                            <p:stCondLst>
-                              <p:cond delay="0"/>
-                            </p:stCondLst>
-                            <p:childTnLst>
-                              <p:par>
-                                <p:cTn id="13" presetID="1" presetClass="entr" presetSubtype="0" fill="hold" nodeType="clickEffect">
-                                  <p:stCondLst>
-                                    <p:cond delay="0"/>
-                                  </p:stCondLst>
-                                  <p:childTnLst>
-                                    <p:set>
-                                      <p:cBhvr>
-                                        <p:cTn id="14" dur="1" fill="hold">
+                                        <p:cTn id="12" dur="1" fill="hold">
                                           <p:stCondLst>
                                             <p:cond delay="0"/>
                                           </p:stCondLst>
@@ -20888,26 +21124,26 @@
                     </p:cTn>
                   </p:par>
                   <p:par>
-                    <p:cTn id="15" fill="hold">
+                    <p:cTn id="13" fill="hold">
                       <p:stCondLst>
                         <p:cond delay="indefinite"/>
                       </p:stCondLst>
                       <p:childTnLst>
                         <p:par>
-                          <p:cTn id="16" fill="hold">
+                          <p:cTn id="14" fill="hold">
                             <p:stCondLst>
                               <p:cond delay="0"/>
                             </p:stCondLst>
                             <p:childTnLst>
                               <p:par>
-                                <p:cTn id="17" presetID="1" presetClass="entr" presetSubtype="0" fill="hold" nodeType="clickEffect">
+                                <p:cTn id="15" presetID="1" presetClass="entr" presetSubtype="0" fill="hold" nodeType="clickEffect">
                                   <p:stCondLst>
                                     <p:cond delay="0"/>
                                   </p:stCondLst>
                                   <p:childTnLst>
                                     <p:set>
                                       <p:cBhvr>
-                                        <p:cTn id="18" dur="1" fill="hold">
+                                        <p:cTn id="16" dur="1" fill="hold">
                                           <p:stCondLst>
                                             <p:cond delay="0"/>
                                           </p:stCondLst>
@@ -20933,26 +21169,26 @@
                     </p:cTn>
                   </p:par>
                   <p:par>
-                    <p:cTn id="19" fill="hold">
+                    <p:cTn id="17" fill="hold">
                       <p:stCondLst>
                         <p:cond delay="indefinite"/>
                       </p:stCondLst>
                       <p:childTnLst>
                         <p:par>
-                          <p:cTn id="20" fill="hold">
+                          <p:cTn id="18" fill="hold">
                             <p:stCondLst>
                               <p:cond delay="0"/>
                             </p:stCondLst>
                             <p:childTnLst>
                               <p:par>
-                                <p:cTn id="21" presetID="1" presetClass="entr" presetSubtype="0" fill="hold" nodeType="clickEffect">
+                                <p:cTn id="19" presetID="1" presetClass="entr" presetSubtype="0" fill="hold" nodeType="clickEffect">
                                   <p:stCondLst>
                                     <p:cond delay="0"/>
                                   </p:stCondLst>
                                   <p:childTnLst>
                                     <p:set>
                                       <p:cBhvr>
-                                        <p:cTn id="22" dur="1" fill="hold">
+                                        <p:cTn id="20" dur="1" fill="hold">
                                           <p:stCondLst>
                                             <p:cond delay="0"/>
                                           </p:stCondLst>
@@ -20978,19 +21214,46 @@
                     </p:cTn>
                   </p:par>
                   <p:par>
-                    <p:cTn id="23" fill="hold">
+                    <p:cTn id="21" fill="hold">
                       <p:stCondLst>
                         <p:cond delay="indefinite"/>
                       </p:stCondLst>
                       <p:childTnLst>
                         <p:par>
-                          <p:cTn id="24" fill="hold">
+                          <p:cTn id="22" fill="hold">
                             <p:stCondLst>
                               <p:cond delay="0"/>
                             </p:stCondLst>
                             <p:childTnLst>
                               <p:par>
-                                <p:cTn id="25" presetID="1" presetClass="entr" presetSubtype="0" fill="hold" grpId="0" nodeType="clickEffect">
+                                <p:cTn id="23" presetID="1" presetClass="entr" presetSubtype="0" fill="hold" grpId="0" nodeType="clickEffect">
+                                  <p:stCondLst>
+                                    <p:cond delay="0"/>
+                                  </p:stCondLst>
+                                  <p:childTnLst>
+                                    <p:set>
+                                      <p:cBhvr>
+                                        <p:cTn id="24" dur="1" fill="hold">
+                                          <p:stCondLst>
+                                            <p:cond delay="0"/>
+                                          </p:stCondLst>
+                                        </p:cTn>
+                                        <p:tgtEl>
+                                          <p:spTgt spid="7"/>
+                                        </p:tgtEl>
+                                        <p:attrNameLst>
+                                          <p:attrName>style.visibility</p:attrName>
+                                        </p:attrNameLst>
+                                      </p:cBhvr>
+                                      <p:to>
+                                        <p:strVal val="visible"/>
+                                      </p:to>
+                                    </p:set>
+                                  </p:childTnLst>
+                                </p:cTn>
+                              </p:par>
+                              <p:par>
+                                <p:cTn id="25" presetID="1" presetClass="entr" presetSubtype="0" fill="hold" grpId="0" nodeType="withEffect">
                                   <p:stCondLst>
                                     <p:cond delay="0"/>
                                   </p:stCondLst>
@@ -21003,7 +21266,7 @@
                                           </p:stCondLst>
                                         </p:cTn>
                                         <p:tgtEl>
-                                          <p:spTgt spid="7"/>
+                                          <p:spTgt spid="19"/>
                                         </p:tgtEl>
                                         <p:attrNameLst>
                                           <p:attrName>style.visibility</p:attrName>
@@ -21030,33 +21293,6 @@
                                           </p:stCondLst>
                                         </p:cTn>
                                         <p:tgtEl>
-                                          <p:spTgt spid="19"/>
-                                        </p:tgtEl>
-                                        <p:attrNameLst>
-                                          <p:attrName>style.visibility</p:attrName>
-                                        </p:attrNameLst>
-                                      </p:cBhvr>
-                                      <p:to>
-                                        <p:strVal val="visible"/>
-                                      </p:to>
-                                    </p:set>
-                                  </p:childTnLst>
-                                </p:cTn>
-                              </p:par>
-                              <p:par>
-                                <p:cTn id="29" presetID="1" presetClass="entr" presetSubtype="0" fill="hold" grpId="0" nodeType="withEffect">
-                                  <p:stCondLst>
-                                    <p:cond delay="0"/>
-                                  </p:stCondLst>
-                                  <p:childTnLst>
-                                    <p:set>
-                                      <p:cBhvr>
-                                        <p:cTn id="30" dur="1" fill="hold">
-                                          <p:stCondLst>
-                                            <p:cond delay="0"/>
-                                          </p:stCondLst>
-                                        </p:cTn>
-                                        <p:tgtEl>
                                           <p:spTgt spid="20"/>
                                         </p:tgtEl>
                                         <p:attrNameLst>
@@ -21077,32 +21313,77 @@
                     </p:cTn>
                   </p:par>
                   <p:par>
-                    <p:cTn id="31" fill="hold">
+                    <p:cTn id="29" fill="hold">
                       <p:stCondLst>
                         <p:cond delay="indefinite"/>
                       </p:stCondLst>
                       <p:childTnLst>
                         <p:par>
-                          <p:cTn id="32" fill="hold">
+                          <p:cTn id="30" fill="hold">
                             <p:stCondLst>
                               <p:cond delay="0"/>
                             </p:stCondLst>
                             <p:childTnLst>
                               <p:par>
-                                <p:cTn id="33" presetID="1" presetClass="entr" presetSubtype="0" fill="hold" grpId="0" nodeType="clickEffect">
+                                <p:cTn id="31" presetID="1" presetClass="entr" presetSubtype="0" fill="hold" grpId="0" nodeType="clickEffect">
                                   <p:stCondLst>
                                     <p:cond delay="0"/>
                                   </p:stCondLst>
                                   <p:childTnLst>
                                     <p:set>
                                       <p:cBhvr>
-                                        <p:cTn id="34" dur="1" fill="hold">
+                                        <p:cTn id="32" dur="1" fill="hold">
                                           <p:stCondLst>
                                             <p:cond delay="0"/>
                                           </p:stCondLst>
                                         </p:cTn>
                                         <p:tgtEl>
                                           <p:spTgt spid="8"/>
+                                        </p:tgtEl>
+                                        <p:attrNameLst>
+                                          <p:attrName>style.visibility</p:attrName>
+                                        </p:attrNameLst>
+                                      </p:cBhvr>
+                                      <p:to>
+                                        <p:strVal val="visible"/>
+                                      </p:to>
+                                    </p:set>
+                                  </p:childTnLst>
+                                </p:cTn>
+                              </p:par>
+                            </p:childTnLst>
+                          </p:cTn>
+                        </p:par>
+                      </p:childTnLst>
+                    </p:cTn>
+                  </p:par>
+                  <p:par>
+                    <p:cTn id="33" fill="hold">
+                      <p:stCondLst>
+                        <p:cond delay="indefinite"/>
+                      </p:stCondLst>
+                      <p:childTnLst>
+                        <p:par>
+                          <p:cTn id="34" fill="hold">
+                            <p:stCondLst>
+                              <p:cond delay="0"/>
+                            </p:stCondLst>
+                            <p:childTnLst>
+                              <p:par>
+                                <p:cTn id="35" presetID="1" presetClass="entr" presetSubtype="0" fill="hold" grpId="0" nodeType="clickEffect">
+                                  <p:stCondLst>
+                                    <p:cond delay="0"/>
+                                  </p:stCondLst>
+                                  <p:childTnLst>
+                                    <p:set>
+                                      <p:cBhvr>
+                                        <p:cTn id="36" dur="1" fill="hold">
+                                          <p:stCondLst>
+                                            <p:cond delay="0"/>
+                                          </p:stCondLst>
+                                        </p:cTn>
+                                        <p:tgtEl>
+                                          <p:spTgt spid="21"/>
                                         </p:tgtEl>
                                         <p:attrNameLst>
                                           <p:attrName>style.visibility</p:attrName>
@@ -21149,6 +21430,7 @@
       <p:bldP spid="8" grpId="0"/>
       <p:bldP spid="19" grpId="0" animBg="1"/>
       <p:bldP spid="20" grpId="0" animBg="1"/>
+      <p:bldP spid="21" grpId="0"/>
     </p:bldLst>
   </p:timing>
 </p:sld>
@@ -24899,6 +25181,261 @@
           </a:p>
         </p:txBody>
       </p:sp>
+      <p:sp>
+        <p:nvSpPr>
+          <p:cNvPr id="28" name="文本框 27"/>
+          <p:cNvSpPr txBox="1">
+            <a:spLocks noChangeArrowheads="1"/>
+          </p:cNvSpPr>
+          <p:nvPr/>
+        </p:nvSpPr>
+        <p:spPr bwMode="auto">
+          <a:xfrm>
+            <a:off x="393298" y="3134277"/>
+            <a:ext cx="4968345" cy="646331"/>
+          </a:xfrm>
+          <a:prstGeom prst="rect">
+            <a:avLst/>
+          </a:prstGeom>
+          <a:noFill/>
+          <a:ln>
+            <a:noFill/>
+          </a:ln>
+          <a:extLst>
+            <a:ext uri="{909E8E84-426E-40DD-AFC4-6F175D3DCCD1}">
+              <a14:hiddenFill xmlns:a14="http://schemas.microsoft.com/office/drawing/2010/main">
+                <a:solidFill>
+                  <a:srgbClr val="FFFFFF"/>
+                </a:solidFill>
+              </a14:hiddenFill>
+            </a:ext>
+            <a:ext uri="{91240B29-F687-4F45-9708-019B960494DF}">
+              <a14:hiddenLine xmlns:a14="http://schemas.microsoft.com/office/drawing/2010/main" w="9525">
+                <a:solidFill>
+                  <a:srgbClr val="000000"/>
+                </a:solidFill>
+                <a:miter lim="800000"/>
+                <a:headEnd/>
+                <a:tailEnd/>
+              </a14:hiddenLine>
+            </a:ext>
+          </a:extLst>
+        </p:spPr>
+        <p:txBody>
+          <a:bodyPr wrap="square">
+            <a:spAutoFit/>
+          </a:bodyPr>
+          <a:lstStyle>
+            <a:lvl1pPr>
+              <a:spcBef>
+                <a:spcPct val="20000"/>
+              </a:spcBef>
+              <a:buFont typeface="Arial" panose="020B0604020202020204" pitchFamily="34" charset="0"/>
+              <a:buChar char="•"/>
+              <a:defRPr sz="3200">
+                <a:solidFill>
+                  <a:schemeClr val="tx1"/>
+                </a:solidFill>
+                <a:latin typeface="微软雅黑" panose="020B0503020204020204" pitchFamily="34" charset="-122"/>
+                <a:ea typeface="微软雅黑" panose="020B0503020204020204" pitchFamily="34" charset="-122"/>
+                <a:sym typeface="Calibri" panose="020F0502020204030204" pitchFamily="34" charset="0"/>
+              </a:defRPr>
+            </a:lvl1pPr>
+            <a:lvl2pPr marL="742950" indent="-285750">
+              <a:spcBef>
+                <a:spcPct val="20000"/>
+              </a:spcBef>
+              <a:buFont typeface="Arial" panose="020B0604020202020204" pitchFamily="34" charset="0"/>
+              <a:buChar char="–"/>
+              <a:defRPr sz="2800">
+                <a:solidFill>
+                  <a:schemeClr val="tx1"/>
+                </a:solidFill>
+                <a:latin typeface="微软雅黑" panose="020B0503020204020204" pitchFamily="34" charset="-122"/>
+                <a:ea typeface="微软雅黑" panose="020B0503020204020204" pitchFamily="34" charset="-122"/>
+                <a:sym typeface="Calibri" panose="020F0502020204030204" pitchFamily="34" charset="0"/>
+              </a:defRPr>
+            </a:lvl2pPr>
+            <a:lvl3pPr marL="1143000" indent="-228600">
+              <a:spcBef>
+                <a:spcPct val="20000"/>
+              </a:spcBef>
+              <a:buFont typeface="Arial" panose="020B0604020202020204" pitchFamily="34" charset="0"/>
+              <a:buChar char="•"/>
+              <a:defRPr sz="2400">
+                <a:solidFill>
+                  <a:schemeClr val="tx1"/>
+                </a:solidFill>
+                <a:latin typeface="微软雅黑" panose="020B0503020204020204" pitchFamily="34" charset="-122"/>
+                <a:ea typeface="微软雅黑" panose="020B0503020204020204" pitchFamily="34" charset="-122"/>
+                <a:sym typeface="Calibri" panose="020F0502020204030204" pitchFamily="34" charset="0"/>
+              </a:defRPr>
+            </a:lvl3pPr>
+            <a:lvl4pPr marL="1600200" indent="-228600">
+              <a:spcBef>
+                <a:spcPct val="20000"/>
+              </a:spcBef>
+              <a:buFont typeface="Arial" panose="020B0604020202020204" pitchFamily="34" charset="0"/>
+              <a:buChar char="–"/>
+              <a:defRPr sz="2000">
+                <a:solidFill>
+                  <a:schemeClr val="tx1"/>
+                </a:solidFill>
+                <a:latin typeface="微软雅黑" panose="020B0503020204020204" pitchFamily="34" charset="-122"/>
+                <a:ea typeface="微软雅黑" panose="020B0503020204020204" pitchFamily="34" charset="-122"/>
+                <a:sym typeface="Calibri" panose="020F0502020204030204" pitchFamily="34" charset="0"/>
+              </a:defRPr>
+            </a:lvl4pPr>
+            <a:lvl5pPr marL="2057400" indent="-228600">
+              <a:spcBef>
+                <a:spcPct val="20000"/>
+              </a:spcBef>
+              <a:buFont typeface="Arial" panose="020B0604020202020204" pitchFamily="34" charset="0"/>
+              <a:buChar char="»"/>
+              <a:defRPr sz="2000">
+                <a:solidFill>
+                  <a:schemeClr val="tx1"/>
+                </a:solidFill>
+                <a:latin typeface="微软雅黑" panose="020B0503020204020204" pitchFamily="34" charset="-122"/>
+                <a:ea typeface="微软雅黑" panose="020B0503020204020204" pitchFamily="34" charset="-122"/>
+                <a:sym typeface="Calibri" panose="020F0502020204030204" pitchFamily="34" charset="0"/>
+              </a:defRPr>
+            </a:lvl5pPr>
+            <a:lvl6pPr marL="2514600" indent="-228600" eaLnBrk="0" fontAlgn="base" hangingPunct="0">
+              <a:spcBef>
+                <a:spcPct val="20000"/>
+              </a:spcBef>
+              <a:spcAft>
+                <a:spcPct val="0"/>
+              </a:spcAft>
+              <a:buFont typeface="Arial" panose="020B0604020202020204" pitchFamily="34" charset="0"/>
+              <a:buChar char="»"/>
+              <a:defRPr sz="2000">
+                <a:solidFill>
+                  <a:schemeClr val="tx1"/>
+                </a:solidFill>
+                <a:latin typeface="微软雅黑" panose="020B0503020204020204" pitchFamily="34" charset="-122"/>
+                <a:ea typeface="微软雅黑" panose="020B0503020204020204" pitchFamily="34" charset="-122"/>
+                <a:sym typeface="Calibri" panose="020F0502020204030204" pitchFamily="34" charset="0"/>
+              </a:defRPr>
+            </a:lvl6pPr>
+            <a:lvl7pPr marL="2971800" indent="-228600" eaLnBrk="0" fontAlgn="base" hangingPunct="0">
+              <a:spcBef>
+                <a:spcPct val="20000"/>
+              </a:spcBef>
+              <a:spcAft>
+                <a:spcPct val="0"/>
+              </a:spcAft>
+              <a:buFont typeface="Arial" panose="020B0604020202020204" pitchFamily="34" charset="0"/>
+              <a:buChar char="»"/>
+              <a:defRPr sz="2000">
+                <a:solidFill>
+                  <a:schemeClr val="tx1"/>
+                </a:solidFill>
+                <a:latin typeface="微软雅黑" panose="020B0503020204020204" pitchFamily="34" charset="-122"/>
+                <a:ea typeface="微软雅黑" panose="020B0503020204020204" pitchFamily="34" charset="-122"/>
+                <a:sym typeface="Calibri" panose="020F0502020204030204" pitchFamily="34" charset="0"/>
+              </a:defRPr>
+            </a:lvl7pPr>
+            <a:lvl8pPr marL="3429000" indent="-228600" eaLnBrk="0" fontAlgn="base" hangingPunct="0">
+              <a:spcBef>
+                <a:spcPct val="20000"/>
+              </a:spcBef>
+              <a:spcAft>
+                <a:spcPct val="0"/>
+              </a:spcAft>
+              <a:buFont typeface="Arial" panose="020B0604020202020204" pitchFamily="34" charset="0"/>
+              <a:buChar char="»"/>
+              <a:defRPr sz="2000">
+                <a:solidFill>
+                  <a:schemeClr val="tx1"/>
+                </a:solidFill>
+                <a:latin typeface="微软雅黑" panose="020B0503020204020204" pitchFamily="34" charset="-122"/>
+                <a:ea typeface="微软雅黑" panose="020B0503020204020204" pitchFamily="34" charset="-122"/>
+                <a:sym typeface="Calibri" panose="020F0502020204030204" pitchFamily="34" charset="0"/>
+              </a:defRPr>
+            </a:lvl8pPr>
+            <a:lvl9pPr marL="3886200" indent="-228600" eaLnBrk="0" fontAlgn="base" hangingPunct="0">
+              <a:spcBef>
+                <a:spcPct val="20000"/>
+              </a:spcBef>
+              <a:spcAft>
+                <a:spcPct val="0"/>
+              </a:spcAft>
+              <a:buFont typeface="Arial" panose="020B0604020202020204" pitchFamily="34" charset="0"/>
+              <a:buChar char="»"/>
+              <a:defRPr sz="2000">
+                <a:solidFill>
+                  <a:schemeClr val="tx1"/>
+                </a:solidFill>
+                <a:latin typeface="微软雅黑" panose="020B0503020204020204" pitchFamily="34" charset="-122"/>
+                <a:ea typeface="微软雅黑" panose="020B0503020204020204" pitchFamily="34" charset="-122"/>
+                <a:sym typeface="Calibri" panose="020F0502020204030204" pitchFamily="34" charset="0"/>
+              </a:defRPr>
+            </a:lvl9pPr>
+          </a:lstStyle>
+          <a:p>
+            <a:pPr>
+              <a:spcBef>
+                <a:spcPct val="0"/>
+              </a:spcBef>
+              <a:buNone/>
+            </a:pPr>
+            <a:r>
+              <a:rPr lang="en-US" altLang="zh-CN" sz="1800" dirty="0" smtClean="0">
+                <a:solidFill>
+                  <a:srgbClr val="FF0000"/>
+                </a:solidFill>
+                <a:latin typeface="Arial" panose="020B0604020202020204" pitchFamily="34" charset="0"/>
+                <a:ea typeface="宋体" panose="02010600030101010101" pitchFamily="2" charset="-122"/>
+              </a:rPr>
+              <a:t>guess</a:t>
+            </a:r>
+            <a:r>
+              <a:rPr lang="en-US" altLang="zh-CN" sz="1800" dirty="0" smtClean="0">
+                <a:solidFill>
+                  <a:srgbClr val="FFFFFF"/>
+                </a:solidFill>
+                <a:latin typeface="Arial" panose="020B0604020202020204" pitchFamily="34" charset="0"/>
+                <a:ea typeface="宋体" panose="02010600030101010101" pitchFamily="2" charset="-122"/>
+              </a:rPr>
+              <a:t>: </a:t>
+            </a:r>
+          </a:p>
+          <a:p>
+            <a:pPr>
+              <a:spcBef>
+                <a:spcPct val="0"/>
+              </a:spcBef>
+              <a:buNone/>
+            </a:pPr>
+            <a:r>
+              <a:rPr lang="en-US" altLang="zh-CN" sz="1800" dirty="0">
+                <a:solidFill>
+                  <a:srgbClr val="FFFFFF"/>
+                </a:solidFill>
+                <a:latin typeface="Arial" panose="020B0604020202020204" pitchFamily="34" charset="0"/>
+                <a:ea typeface="宋体" panose="02010600030101010101" pitchFamily="2" charset="-122"/>
+              </a:rPr>
+              <a:t>m</a:t>
+            </a:r>
+            <a:r>
+              <a:rPr lang="en-US" altLang="zh-CN" sz="1800" dirty="0" smtClean="0">
+                <a:solidFill>
+                  <a:srgbClr val="FFFFFF"/>
+                </a:solidFill>
+                <a:latin typeface="Arial" panose="020B0604020202020204" pitchFamily="34" charset="0"/>
+                <a:ea typeface="宋体" panose="02010600030101010101" pitchFamily="2" charset="-122"/>
+              </a:rPr>
+              <a:t>iniature: small and lightweight</a:t>
+            </a:r>
+            <a:endParaRPr lang="zh-CN" altLang="en-US" sz="1800" dirty="0">
+              <a:latin typeface="Arial" panose="020B0604020202020204" pitchFamily="34" charset="0"/>
+              <a:ea typeface="宋体" panose="02010600030101010101" pitchFamily="2" charset="-122"/>
+            </a:endParaRPr>
+          </a:p>
+        </p:txBody>
+      </p:sp>
     </p:spTree>
     <p:extLst>
       <p:ext uri="{BB962C8B-B14F-4D97-AF65-F5344CB8AC3E}">
@@ -24933,7 +25470,7 @@
                             </p:stCondLst>
                             <p:childTnLst>
                               <p:par>
-                                <p:cTn id="5" presetID="1" presetClass="entr" presetSubtype="0" fill="hold" grpId="0" nodeType="clickEffect">
+                                <p:cTn id="5" presetID="1" presetClass="entr" presetSubtype="0" fill="hold" nodeType="clickEffect">
                                   <p:stCondLst>
                                     <p:cond delay="0"/>
                                   </p:stCondLst>
@@ -24941,96 +25478,6 @@
                                     <p:set>
                                       <p:cBhvr>
                                         <p:cTn id="6" dur="1" fill="hold">
-                                          <p:stCondLst>
-                                            <p:cond delay="0"/>
-                                          </p:stCondLst>
-                                        </p:cTn>
-                                        <p:tgtEl>
-                                          <p:spTgt spid="5130"/>
-                                        </p:tgtEl>
-                                        <p:attrNameLst>
-                                          <p:attrName>style.visibility</p:attrName>
-                                        </p:attrNameLst>
-                                      </p:cBhvr>
-                                      <p:to>
-                                        <p:strVal val="visible"/>
-                                      </p:to>
-                                    </p:set>
-                                  </p:childTnLst>
-                                </p:cTn>
-                              </p:par>
-                            </p:childTnLst>
-                          </p:cTn>
-                        </p:par>
-                      </p:childTnLst>
-                    </p:cTn>
-                  </p:par>
-                  <p:par>
-                    <p:cTn id="7" fill="hold" nodeType="clickPar">
-                      <p:stCondLst>
-                        <p:cond delay="indefinite"/>
-                      </p:stCondLst>
-                      <p:childTnLst>
-                        <p:par>
-                          <p:cTn id="8" fill="hold" nodeType="withGroup">
-                            <p:stCondLst>
-                              <p:cond delay="0"/>
-                            </p:stCondLst>
-                            <p:childTnLst>
-                              <p:par>
-                                <p:cTn id="9" presetID="1" presetClass="entr" presetSubtype="0" fill="hold" grpId="0" nodeType="clickEffect">
-                                  <p:stCondLst>
-                                    <p:cond delay="0"/>
-                                  </p:stCondLst>
-                                  <p:childTnLst>
-                                    <p:set>
-                                      <p:cBhvr>
-                                        <p:cTn id="10" dur="1" fill="hold">
-                                          <p:stCondLst>
-                                            <p:cond delay="0"/>
-                                          </p:stCondLst>
-                                        </p:cTn>
-                                        <p:tgtEl>
-                                          <p:spTgt spid="5128"/>
-                                        </p:tgtEl>
-                                        <p:attrNameLst>
-                                          <p:attrName>style.visibility</p:attrName>
-                                        </p:attrNameLst>
-                                      </p:cBhvr>
-                                      <p:to>
-                                        <p:strVal val="visible"/>
-                                      </p:to>
-                                    </p:set>
-                                  </p:childTnLst>
-                                </p:cTn>
-                              </p:par>
-                            </p:childTnLst>
-                          </p:cTn>
-                        </p:par>
-                      </p:childTnLst>
-                    </p:cTn>
-                  </p:par>
-                  <p:par>
-                    <p:cTn id="11" fill="hold" nodeType="clickPar">
-                      <p:stCondLst>
-                        <p:cond delay="indefinite"/>
-                      </p:stCondLst>
-                      <p:childTnLst>
-                        <p:par>
-                          <p:cTn id="12" fill="hold" nodeType="withGroup">
-                            <p:stCondLst>
-                              <p:cond delay="0"/>
-                            </p:stCondLst>
-                            <p:childTnLst>
-                              <p:par>
-                                <p:cTn id="13" presetID="1" presetClass="entr" presetSubtype="0" fill="hold" nodeType="clickEffect">
-                                  <p:stCondLst>
-                                    <p:cond delay="0"/>
-                                  </p:stCondLst>
-                                  <p:childTnLst>
-                                    <p:set>
-                                      <p:cBhvr>
-                                        <p:cTn id="14" dur="1" fill="hold">
                                           <p:stCondLst>
                                             <p:cond delay="0"/>
                                           </p:stCondLst>
@@ -25050,14 +25497,14 @@
                                 </p:cTn>
                               </p:par>
                               <p:par>
-                                <p:cTn id="15" presetID="1" presetClass="entr" presetSubtype="0" fill="hold" nodeType="withEffect">
+                                <p:cTn id="7" presetID="1" presetClass="entr" presetSubtype="0" fill="hold" nodeType="withEffect">
                                   <p:stCondLst>
                                     <p:cond delay="0"/>
                                   </p:stCondLst>
                                   <p:childTnLst>
                                     <p:set>
                                       <p:cBhvr>
-                                        <p:cTn id="16" dur="1" fill="hold">
+                                        <p:cTn id="8" dur="1" fill="hold">
                                           <p:stCondLst>
                                             <p:cond delay="0"/>
                                           </p:stCondLst>
@@ -25077,14 +25524,14 @@
                                 </p:cTn>
                               </p:par>
                               <p:par>
-                                <p:cTn id="17" presetID="1" presetClass="entr" presetSubtype="0" fill="hold" nodeType="withEffect">
+                                <p:cTn id="9" presetID="1" presetClass="entr" presetSubtype="0" fill="hold" nodeType="withEffect">
                                   <p:stCondLst>
                                     <p:cond delay="0"/>
                                   </p:stCondLst>
                                   <p:childTnLst>
                                     <p:set>
                                       <p:cBhvr>
-                                        <p:cTn id="18" dur="1" fill="hold">
+                                        <p:cTn id="10" dur="1" fill="hold">
                                           <p:stCondLst>
                                             <p:cond delay="0"/>
                                           </p:stCondLst>
@@ -25104,14 +25551,14 @@
                                 </p:cTn>
                               </p:par>
                               <p:par>
-                                <p:cTn id="19" presetID="1" presetClass="entr" presetSubtype="0" fill="hold" nodeType="withEffect">
+                                <p:cTn id="11" presetID="1" presetClass="entr" presetSubtype="0" fill="hold" nodeType="withEffect">
                                   <p:stCondLst>
                                     <p:cond delay="0"/>
                                   </p:stCondLst>
                                   <p:childTnLst>
                                     <p:set>
                                       <p:cBhvr>
-                                        <p:cTn id="20" dur="1" fill="hold">
+                                        <p:cTn id="12" dur="1" fill="hold">
                                           <p:stCondLst>
                                             <p:cond delay="0"/>
                                           </p:stCondLst>
@@ -25131,14 +25578,14 @@
                                 </p:cTn>
                               </p:par>
                               <p:par>
-                                <p:cTn id="21" presetID="1" presetClass="entr" presetSubtype="0" fill="hold" nodeType="withEffect">
+                                <p:cTn id="13" presetID="1" presetClass="entr" presetSubtype="0" fill="hold" nodeType="withEffect">
                                   <p:stCondLst>
                                     <p:cond delay="0"/>
                                   </p:stCondLst>
                                   <p:childTnLst>
                                     <p:set>
                                       <p:cBhvr>
-                                        <p:cTn id="22" dur="1" fill="hold">
+                                        <p:cTn id="14" dur="1" fill="hold">
                                           <p:stCondLst>
                                             <p:cond delay="0"/>
                                           </p:stCondLst>
@@ -25164,26 +25611,53 @@
                     </p:cTn>
                   </p:par>
                   <p:par>
-                    <p:cTn id="23" fill="hold">
+                    <p:cTn id="15" fill="hold">
                       <p:stCondLst>
                         <p:cond delay="indefinite"/>
                       </p:stCondLst>
                       <p:childTnLst>
                         <p:par>
-                          <p:cTn id="24" fill="hold">
+                          <p:cTn id="16" fill="hold">
                             <p:stCondLst>
                               <p:cond delay="0"/>
                             </p:stCondLst>
                             <p:childTnLst>
                               <p:par>
-                                <p:cTn id="25" presetID="1" presetClass="entr" presetSubtype="0" fill="hold" grpId="0" nodeType="clickEffect">
+                                <p:cTn id="17" presetID="1" presetClass="entr" presetSubtype="0" fill="hold" grpId="0" nodeType="clickEffect">
                                   <p:stCondLst>
                                     <p:cond delay="0"/>
                                   </p:stCondLst>
                                   <p:childTnLst>
                                     <p:set>
                                       <p:cBhvr>
-                                        <p:cTn id="26" dur="1" fill="hold">
+                                        <p:cTn id="18" dur="1" fill="hold">
+                                          <p:stCondLst>
+                                            <p:cond delay="0"/>
+                                          </p:stCondLst>
+                                        </p:cTn>
+                                        <p:tgtEl>
+                                          <p:spTgt spid="8"/>
+                                        </p:tgtEl>
+                                        <p:attrNameLst>
+                                          <p:attrName>style.visibility</p:attrName>
+                                        </p:attrNameLst>
+                                      </p:cBhvr>
+                                      <p:to>
+                                        <p:strVal val="visible"/>
+                                      </p:to>
+                                    </p:set>
+                                  </p:childTnLst>
+                                </p:cTn>
+                              </p:par>
+                              <p:par>
+                                <p:cTn id="19" presetID="1" presetClass="entr" presetSubtype="0" fill="hold" grpId="0" nodeType="withEffect">
+                                  <p:stCondLst>
+                                    <p:cond delay="0"/>
+                                  </p:stCondLst>
+                                  <p:childTnLst>
+                                    <p:set>
+                                      <p:cBhvr>
+                                        <p:cTn id="20" dur="1" fill="hold">
                                           <p:stCondLst>
                                             <p:cond delay="0"/>
                                           </p:stCondLst>
@@ -25209,19 +25683,91 @@
                     </p:cTn>
                   </p:par>
                   <p:par>
-                    <p:cTn id="27" fill="hold" nodeType="clickPar">
+                    <p:cTn id="21" fill="hold">
                       <p:stCondLst>
                         <p:cond delay="indefinite"/>
                       </p:stCondLst>
                       <p:childTnLst>
                         <p:par>
-                          <p:cTn id="28" fill="hold" nodeType="withGroup">
+                          <p:cTn id="22" fill="hold">
                             <p:stCondLst>
                               <p:cond delay="0"/>
                             </p:stCondLst>
                             <p:childTnLst>
                               <p:par>
-                                <p:cTn id="29" presetID="1" presetClass="entr" presetSubtype="0" fill="hold" grpId="0" nodeType="clickEffect">
+                                <p:cTn id="23" presetID="1" presetClass="entr" presetSubtype="0" fill="hold" grpId="0" nodeType="clickEffect">
+                                  <p:stCondLst>
+                                    <p:cond delay="0"/>
+                                  </p:stCondLst>
+                                  <p:childTnLst>
+                                    <p:set>
+                                      <p:cBhvr>
+                                        <p:cTn id="24" dur="1" fill="hold">
+                                          <p:stCondLst>
+                                            <p:cond delay="0"/>
+                                          </p:stCondLst>
+                                        </p:cTn>
+                                        <p:tgtEl>
+                                          <p:spTgt spid="27"/>
+                                        </p:tgtEl>
+                                        <p:attrNameLst>
+                                          <p:attrName>style.visibility</p:attrName>
+                                        </p:attrNameLst>
+                                      </p:cBhvr>
+                                      <p:to>
+                                        <p:strVal val="visible"/>
+                                      </p:to>
+                                    </p:set>
+                                  </p:childTnLst>
+                                </p:cTn>
+                              </p:par>
+                            </p:childTnLst>
+                          </p:cTn>
+                        </p:par>
+                      </p:childTnLst>
+                    </p:cTn>
+                  </p:par>
+                  <p:par>
+                    <p:cTn id="25" fill="hold">
+                      <p:stCondLst>
+                        <p:cond delay="indefinite"/>
+                      </p:stCondLst>
+                      <p:childTnLst>
+                        <p:par>
+                          <p:cTn id="26" fill="hold">
+                            <p:stCondLst>
+                              <p:cond delay="0"/>
+                            </p:stCondLst>
+                            <p:childTnLst>
+                              <p:par>
+                                <p:cTn id="27" presetID="1" presetClass="entr" presetSubtype="0" fill="hold" grpId="0" nodeType="clickEffect">
+                                  <p:stCondLst>
+                                    <p:cond delay="0"/>
+                                  </p:stCondLst>
+                                  <p:childTnLst>
+                                    <p:set>
+                                      <p:cBhvr>
+                                        <p:cTn id="28" dur="1" fill="hold">
+                                          <p:stCondLst>
+                                            <p:cond delay="0"/>
+                                          </p:stCondLst>
+                                        </p:cTn>
+                                        <p:tgtEl>
+                                          <p:spTgt spid="5130"/>
+                                        </p:tgtEl>
+                                        <p:attrNameLst>
+                                          <p:attrName>style.visibility</p:attrName>
+                                        </p:attrNameLst>
+                                      </p:cBhvr>
+                                      <p:to>
+                                        <p:strVal val="visible"/>
+                                      </p:to>
+                                    </p:set>
+                                  </p:childTnLst>
+                                </p:cTn>
+                              </p:par>
+                              <p:par>
+                                <p:cTn id="29" presetID="1" presetClass="entr" presetSubtype="0" fill="hold" grpId="0" nodeType="withEffect">
                                   <p:stCondLst>
                                     <p:cond delay="0"/>
                                   </p:stCondLst>
@@ -25234,7 +25780,7 @@
                                           </p:stCondLst>
                                         </p:cTn>
                                         <p:tgtEl>
-                                          <p:spTgt spid="8"/>
+                                          <p:spTgt spid="5128"/>
                                         </p:tgtEl>
                                         <p:attrNameLst>
                                           <p:attrName>style.visibility</p:attrName>
@@ -25279,7 +25825,7 @@
                                           </p:stCondLst>
                                         </p:cTn>
                                         <p:tgtEl>
-                                          <p:spTgt spid="27"/>
+                                          <p:spTgt spid="28"/>
                                         </p:tgtEl>
                                         <p:attrNameLst>
                                           <p:attrName>style.visibility</p:attrName>
@@ -25292,6 +25838,222 @@
                                   </p:childTnLst>
                                 </p:cTn>
                               </p:par>
+                              <p:par>
+                                <p:cTn id="35" presetID="1" presetClass="exit" presetSubtype="0" fill="hold" nodeType="withEffect">
+                                  <p:stCondLst>
+                                    <p:cond delay="0"/>
+                                  </p:stCondLst>
+                                  <p:childTnLst>
+                                    <p:set>
+                                      <p:cBhvr>
+                                        <p:cTn id="36" dur="1" fill="hold">
+                                          <p:stCondLst>
+                                            <p:cond delay="0"/>
+                                          </p:stCondLst>
+                                        </p:cTn>
+                                        <p:tgtEl>
+                                          <p:spTgt spid="11"/>
+                                        </p:tgtEl>
+                                        <p:attrNameLst>
+                                          <p:attrName>style.visibility</p:attrName>
+                                        </p:attrNameLst>
+                                      </p:cBhvr>
+                                      <p:to>
+                                        <p:strVal val="hidden"/>
+                                      </p:to>
+                                    </p:set>
+                                  </p:childTnLst>
+                                </p:cTn>
+                              </p:par>
+                              <p:par>
+                                <p:cTn id="37" presetID="1" presetClass="exit" presetSubtype="0" fill="hold" nodeType="withEffect">
+                                  <p:stCondLst>
+                                    <p:cond delay="0"/>
+                                  </p:stCondLst>
+                                  <p:childTnLst>
+                                    <p:set>
+                                      <p:cBhvr>
+                                        <p:cTn id="38" dur="1" fill="hold">
+                                          <p:stCondLst>
+                                            <p:cond delay="0"/>
+                                          </p:stCondLst>
+                                        </p:cTn>
+                                        <p:tgtEl>
+                                          <p:spTgt spid="21"/>
+                                        </p:tgtEl>
+                                        <p:attrNameLst>
+                                          <p:attrName>style.visibility</p:attrName>
+                                        </p:attrNameLst>
+                                      </p:cBhvr>
+                                      <p:to>
+                                        <p:strVal val="hidden"/>
+                                      </p:to>
+                                    </p:set>
+                                  </p:childTnLst>
+                                </p:cTn>
+                              </p:par>
+                              <p:par>
+                                <p:cTn id="39" presetID="1" presetClass="exit" presetSubtype="0" fill="hold" nodeType="withEffect">
+                                  <p:stCondLst>
+                                    <p:cond delay="0"/>
+                                  </p:stCondLst>
+                                  <p:childTnLst>
+                                    <p:set>
+                                      <p:cBhvr>
+                                        <p:cTn id="40" dur="1" fill="hold">
+                                          <p:stCondLst>
+                                            <p:cond delay="0"/>
+                                          </p:stCondLst>
+                                        </p:cTn>
+                                        <p:tgtEl>
+                                          <p:spTgt spid="15"/>
+                                        </p:tgtEl>
+                                        <p:attrNameLst>
+                                          <p:attrName>style.visibility</p:attrName>
+                                        </p:attrNameLst>
+                                      </p:cBhvr>
+                                      <p:to>
+                                        <p:strVal val="hidden"/>
+                                      </p:to>
+                                    </p:set>
+                                  </p:childTnLst>
+                                </p:cTn>
+                              </p:par>
+                              <p:par>
+                                <p:cTn id="41" presetID="1" presetClass="exit" presetSubtype="0" fill="hold" nodeType="withEffect">
+                                  <p:stCondLst>
+                                    <p:cond delay="0"/>
+                                  </p:stCondLst>
+                                  <p:childTnLst>
+                                    <p:set>
+                                      <p:cBhvr>
+                                        <p:cTn id="42" dur="1" fill="hold">
+                                          <p:stCondLst>
+                                            <p:cond delay="0"/>
+                                          </p:stCondLst>
+                                        </p:cTn>
+                                        <p:tgtEl>
+                                          <p:spTgt spid="24"/>
+                                        </p:tgtEl>
+                                        <p:attrNameLst>
+                                          <p:attrName>style.visibility</p:attrName>
+                                        </p:attrNameLst>
+                                      </p:cBhvr>
+                                      <p:to>
+                                        <p:strVal val="hidden"/>
+                                      </p:to>
+                                    </p:set>
+                                  </p:childTnLst>
+                                </p:cTn>
+                              </p:par>
+                              <p:par>
+                                <p:cTn id="43" presetID="1" presetClass="exit" presetSubtype="0" fill="hold" nodeType="withEffect">
+                                  <p:stCondLst>
+                                    <p:cond delay="0"/>
+                                  </p:stCondLst>
+                                  <p:childTnLst>
+                                    <p:set>
+                                      <p:cBhvr>
+                                        <p:cTn id="44" dur="1" fill="hold">
+                                          <p:stCondLst>
+                                            <p:cond delay="0"/>
+                                          </p:stCondLst>
+                                        </p:cTn>
+                                        <p:tgtEl>
+                                          <p:spTgt spid="18"/>
+                                        </p:tgtEl>
+                                        <p:attrNameLst>
+                                          <p:attrName>style.visibility</p:attrName>
+                                        </p:attrNameLst>
+                                      </p:cBhvr>
+                                      <p:to>
+                                        <p:strVal val="hidden"/>
+                                      </p:to>
+                                    </p:set>
+                                  </p:childTnLst>
+                                </p:cTn>
+                              </p:par>
+                              <p:par>
+                                <p:cTn id="45" presetID="1" presetClass="exit" presetSubtype="0" fill="hold" grpId="1" nodeType="withEffect">
+                                  <p:stCondLst>
+                                    <p:cond delay="0"/>
+                                  </p:stCondLst>
+                                  <p:childTnLst>
+                                    <p:set>
+                                      <p:cBhvr>
+                                        <p:cTn id="46" dur="1" fill="hold">
+                                          <p:stCondLst>
+                                            <p:cond delay="0"/>
+                                          </p:stCondLst>
+                                        </p:cTn>
+                                        <p:tgtEl>
+                                          <p:spTgt spid="8"/>
+                                        </p:tgtEl>
+                                        <p:attrNameLst>
+                                          <p:attrName>style.visibility</p:attrName>
+                                        </p:attrNameLst>
+                                      </p:cBhvr>
+                                      <p:to>
+                                        <p:strVal val="hidden"/>
+                                      </p:to>
+                                    </p:set>
+                                  </p:childTnLst>
+                                </p:cTn>
+                              </p:par>
+                              <p:par>
+                                <p:cTn id="47" presetID="1" presetClass="exit" presetSubtype="0" fill="hold" grpId="1" nodeType="withEffect">
+                                  <p:stCondLst>
+                                    <p:cond delay="0"/>
+                                  </p:stCondLst>
+                                  <p:childTnLst>
+                                    <p:set>
+                                      <p:cBhvr>
+                                        <p:cTn id="48" dur="1" fill="hold">
+                                          <p:stCondLst>
+                                            <p:cond delay="0"/>
+                                          </p:stCondLst>
+                                        </p:cTn>
+                                        <p:tgtEl>
+                                          <p:spTgt spid="7"/>
+                                        </p:tgtEl>
+                                        <p:attrNameLst>
+                                          <p:attrName>style.visibility</p:attrName>
+                                        </p:attrNameLst>
+                                      </p:cBhvr>
+                                      <p:to>
+                                        <p:strVal val="hidden"/>
+                                      </p:to>
+                                    </p:set>
+                                  </p:childTnLst>
+                                </p:cTn>
+                              </p:par>
+                              <p:par>
+                                <p:cTn id="49" presetID="1" presetClass="exit" presetSubtype="0" fill="hold" grpId="1" nodeType="withEffect">
+                                  <p:stCondLst>
+                                    <p:cond delay="0"/>
+                                  </p:stCondLst>
+                                  <p:childTnLst>
+                                    <p:set>
+                                      <p:cBhvr>
+                                        <p:cTn id="50" dur="1" fill="hold">
+                                          <p:stCondLst>
+                                            <p:cond delay="0"/>
+                                          </p:stCondLst>
+                                        </p:cTn>
+                                        <p:tgtEl>
+                                          <p:spTgt spid="27"/>
+                                        </p:tgtEl>
+                                        <p:attrNameLst>
+                                          <p:attrName>style.visibility</p:attrName>
+                                        </p:attrNameLst>
+                                      </p:cBhvr>
+                                      <p:to>
+                                        <p:strVal val="hidden"/>
+                                      </p:to>
+                                    </p:set>
+                                  </p:childTnLst>
+                                </p:cTn>
+                              </p:par>
                             </p:childTnLst>
                           </p:cTn>
                         </p:par>
@@ -25299,26 +26061,26 @@
                     </p:cTn>
                   </p:par>
                   <p:par>
-                    <p:cTn id="35" fill="hold">
+                    <p:cTn id="51" fill="hold">
                       <p:stCondLst>
                         <p:cond delay="indefinite"/>
                       </p:stCondLst>
                       <p:childTnLst>
                         <p:par>
-                          <p:cTn id="36" fill="hold">
+                          <p:cTn id="52" fill="hold">
                             <p:stCondLst>
                               <p:cond delay="0"/>
                             </p:stCondLst>
                             <p:childTnLst>
                               <p:par>
-                                <p:cTn id="37" presetID="1" presetClass="entr" presetSubtype="0" fill="hold" grpId="0" nodeType="clickEffect">
+                                <p:cTn id="53" presetID="1" presetClass="entr" presetSubtype="0" fill="hold" grpId="0" nodeType="clickEffect">
                                   <p:stCondLst>
                                     <p:cond delay="0"/>
                                   </p:stCondLst>
                                   <p:childTnLst>
                                     <p:set>
                                       <p:cBhvr>
-                                        <p:cTn id="38" dur="1" fill="hold">
+                                        <p:cTn id="54" dur="1" fill="hold">
                                           <p:stCondLst>
                                             <p:cond delay="0"/>
                                           </p:stCondLst>
@@ -25368,9 +26130,13 @@
       <p:bldP spid="5128" grpId="0"/>
       <p:bldP spid="5130" grpId="0"/>
       <p:bldP spid="7" grpId="0" animBg="1"/>
+      <p:bldP spid="7" grpId="1" animBg="1"/>
       <p:bldP spid="8" grpId="0"/>
+      <p:bldP spid="8" grpId="1"/>
       <p:bldP spid="27" grpId="0"/>
+      <p:bldP spid="27" grpId="1"/>
       <p:bldP spid="29" grpId="0"/>
+      <p:bldP spid="28" grpId="0"/>
     </p:bldLst>
   </p:timing>
 </p:sld>
